--- a/myPPt.pptx
+++ b/myPPt.pptx
@@ -3,13 +3,14 @@
 <p:presentation xmlns:a="http://schemas.openxmlformats.org/drawingml/2006/main" xmlns:p="http://schemas.openxmlformats.org/presentationml/2006/main" xmlns:r="http://schemas.openxmlformats.org/officeDocument/2006/relationships" xmlns:p14="http://schemas.microsoft.com/office/powerpoint/2010/main" xmlns:p15="http://schemas.microsoft.com/office/powerpoint/2012/main" xmlns:mc="http://schemas.openxmlformats.org/markup-compatibility/2006">
   <p:sldMasterIdLst>
     <p:sldMasterId id="2147483648" r:id="rId2"/>
+    <p:sldMasterId id="2147483661" r:id="rId3"/>
   </p:sldMasterIdLst>
   <p:sldIdLst>
-    <p:sldId id="256" r:id="rId3"/>
-    <p:sldId id="257" r:id="rId4"/>
-    <p:sldId id="258" r:id="rId5"/>
-    <p:sldId id="259" r:id="rId6"/>
-    <p:sldId id="260" r:id="rId7"/>
+    <p:sldId id="256" r:id="rId4"/>
+    <p:sldId id="257" r:id="rId5"/>
+    <p:sldId id="258" r:id="rId6"/>
+    <p:sldId id="259" r:id="rId7"/>
+    <p:sldId id="260" r:id="rId8"/>
   </p:sldIdLst>
   <p:sldSz cx="10080625" cy="7559675"/>
   <p:notesSz cx="7559675" cy="10691812"/>
@@ -57,7 +58,7 @@
       </p:grpSpPr>
       <p:sp>
         <p:nvSpPr>
-          <p:cNvPr id="26" name="PlaceHolder 1"/>
+          <p:cNvPr id="23" name="PlaceHolder 1"/>
           <p:cNvSpPr>
             <a:spLocks noGrp="1"/>
           </p:cNvSpPr>
@@ -68,7 +69,7 @@
         <p:spPr>
           <a:xfrm>
             <a:off x="504000" y="301320"/>
-            <a:ext cx="9071640" cy="1262160"/>
+            <a:ext cx="9072000" cy="1261800"/>
           </a:xfrm>
           <a:prstGeom prst="rect">
             <a:avLst/>
@@ -94,7 +95,7 @@
       </p:sp>
       <p:sp>
         <p:nvSpPr>
-          <p:cNvPr id="27" name="PlaceHolder 2"/>
+          <p:cNvPr id="24" name="PlaceHolder 2"/>
           <p:cNvSpPr>
             <a:spLocks noGrp="1"/>
           </p:cNvSpPr>
@@ -104,8 +105,8 @@
         </p:nvSpPr>
         <p:spPr>
           <a:xfrm>
-            <a:off x="504000" y="1769040"/>
-            <a:ext cx="9071640" cy="2091240"/>
+            <a:off x="504000" y="1768680"/>
+            <a:ext cx="9072000" cy="2090880"/>
           </a:xfrm>
           <a:prstGeom prst="rect">
             <a:avLst/>
@@ -130,7 +131,7 @@
       </p:sp>
       <p:sp>
         <p:nvSpPr>
-          <p:cNvPr id="28" name="PlaceHolder 3"/>
+          <p:cNvPr id="25" name="PlaceHolder 3"/>
           <p:cNvSpPr>
             <a:spLocks noGrp="1"/>
           </p:cNvSpPr>
@@ -140,8 +141,8 @@
         </p:nvSpPr>
         <p:spPr>
           <a:xfrm>
-            <a:off x="504000" y="4059360"/>
-            <a:ext cx="9071640" cy="2091240"/>
+            <a:off x="504000" y="4058640"/>
+            <a:ext cx="9072000" cy="2090880"/>
           </a:xfrm>
           <a:prstGeom prst="rect">
             <a:avLst/>
@@ -188,7 +189,7 @@
       </p:grpSpPr>
       <p:sp>
         <p:nvSpPr>
-          <p:cNvPr id="29" name="PlaceHolder 1"/>
+          <p:cNvPr id="26" name="PlaceHolder 1"/>
           <p:cNvSpPr>
             <a:spLocks noGrp="1"/>
           </p:cNvSpPr>
@@ -199,7 +200,7 @@
         <p:spPr>
           <a:xfrm>
             <a:off x="504000" y="301320"/>
-            <a:ext cx="9071640" cy="1262160"/>
+            <a:ext cx="9072000" cy="1261800"/>
           </a:xfrm>
           <a:prstGeom prst="rect">
             <a:avLst/>
@@ -225,7 +226,7 @@
       </p:sp>
       <p:sp>
         <p:nvSpPr>
-          <p:cNvPr id="30" name="PlaceHolder 2"/>
+          <p:cNvPr id="27" name="PlaceHolder 2"/>
           <p:cNvSpPr>
             <a:spLocks noGrp="1"/>
           </p:cNvSpPr>
@@ -235,8 +236,8 @@
         </p:nvSpPr>
         <p:spPr>
           <a:xfrm>
-            <a:off x="504000" y="1769040"/>
-            <a:ext cx="4426920" cy="2091240"/>
+            <a:off x="504000" y="1768680"/>
+            <a:ext cx="4426920" cy="2090880"/>
           </a:xfrm>
           <a:prstGeom prst="rect">
             <a:avLst/>
@@ -261,7 +262,7 @@
       </p:sp>
       <p:sp>
         <p:nvSpPr>
-          <p:cNvPr id="31" name="PlaceHolder 3"/>
+          <p:cNvPr id="28" name="PlaceHolder 3"/>
           <p:cNvSpPr>
             <a:spLocks noGrp="1"/>
           </p:cNvSpPr>
@@ -271,8 +272,8 @@
         </p:nvSpPr>
         <p:spPr>
           <a:xfrm>
-            <a:off x="5152680" y="1769040"/>
-            <a:ext cx="4426920" cy="2091240"/>
+            <a:off x="5152680" y="1768680"/>
+            <a:ext cx="4426920" cy="2090880"/>
           </a:xfrm>
           <a:prstGeom prst="rect">
             <a:avLst/>
@@ -297,7 +298,7 @@
       </p:sp>
       <p:sp>
         <p:nvSpPr>
-          <p:cNvPr id="32" name="PlaceHolder 4"/>
+          <p:cNvPr id="29" name="PlaceHolder 4"/>
           <p:cNvSpPr>
             <a:spLocks noGrp="1"/>
           </p:cNvSpPr>
@@ -307,8 +308,8 @@
         </p:nvSpPr>
         <p:spPr>
           <a:xfrm>
-            <a:off x="5152680" y="4059360"/>
-            <a:ext cx="4426920" cy="2091240"/>
+            <a:off x="5152680" y="4058640"/>
+            <a:ext cx="4426920" cy="2090880"/>
           </a:xfrm>
           <a:prstGeom prst="rect">
             <a:avLst/>
@@ -333,7 +334,7 @@
       </p:sp>
       <p:sp>
         <p:nvSpPr>
-          <p:cNvPr id="33" name="PlaceHolder 5"/>
+          <p:cNvPr id="30" name="PlaceHolder 5"/>
           <p:cNvSpPr>
             <a:spLocks noGrp="1"/>
           </p:cNvSpPr>
@@ -343,8 +344,8 @@
         </p:nvSpPr>
         <p:spPr>
           <a:xfrm>
-            <a:off x="504000" y="4059360"/>
-            <a:ext cx="4426920" cy="2091240"/>
+            <a:off x="504000" y="4058640"/>
+            <a:ext cx="4426920" cy="2090880"/>
           </a:xfrm>
           <a:prstGeom prst="rect">
             <a:avLst/>
@@ -391,7 +392,7 @@
       </p:grpSpPr>
       <p:sp>
         <p:nvSpPr>
-          <p:cNvPr id="34" name="PlaceHolder 1"/>
+          <p:cNvPr id="31" name="PlaceHolder 1"/>
           <p:cNvSpPr>
             <a:spLocks noGrp="1"/>
           </p:cNvSpPr>
@@ -402,7 +403,7 @@
         <p:spPr>
           <a:xfrm>
             <a:off x="504000" y="301320"/>
-            <a:ext cx="9071640" cy="1262160"/>
+            <a:ext cx="9072000" cy="1261800"/>
           </a:xfrm>
           <a:prstGeom prst="rect">
             <a:avLst/>
@@ -428,7 +429,7 @@
       </p:sp>
       <p:sp>
         <p:nvSpPr>
-          <p:cNvPr id="35" name="PlaceHolder 2"/>
+          <p:cNvPr id="32" name="PlaceHolder 2"/>
           <p:cNvSpPr>
             <a:spLocks noGrp="1"/>
           </p:cNvSpPr>
@@ -438,8 +439,8 @@
         </p:nvSpPr>
         <p:spPr>
           <a:xfrm>
-            <a:off x="504000" y="1769040"/>
-            <a:ext cx="9071640" cy="4384440"/>
+            <a:off x="504000" y="1768680"/>
+            <a:ext cx="9072000" cy="4384080"/>
           </a:xfrm>
           <a:prstGeom prst="rect">
             <a:avLst/>
@@ -464,7 +465,7 @@
       </p:sp>
       <p:sp>
         <p:nvSpPr>
-          <p:cNvPr id="36" name="PlaceHolder 3"/>
+          <p:cNvPr id="33" name="PlaceHolder 3"/>
           <p:cNvSpPr>
             <a:spLocks noGrp="1"/>
           </p:cNvSpPr>
@@ -474,8 +475,8 @@
         </p:nvSpPr>
         <p:spPr>
           <a:xfrm>
-            <a:off x="504000" y="1769040"/>
-            <a:ext cx="9071640" cy="4384440"/>
+            <a:off x="504000" y="1768680"/>
+            <a:ext cx="9072000" cy="4384080"/>
           </a:xfrm>
           <a:prstGeom prst="rect">
             <a:avLst/>
@@ -500,7 +501,7 @@
       </p:sp>
       <p:pic>
         <p:nvPicPr>
-          <p:cNvPr id="37" name="" descr=""/>
+          <p:cNvPr id="34" name="" descr=""/>
           <p:cNvPicPr/>
           <p:nvPr/>
         </p:nvPicPr>
@@ -510,8 +511,8 @@
         </p:blipFill>
         <p:spPr>
           <a:xfrm>
-            <a:off x="2292120" y="1768680"/>
-            <a:ext cx="5495040" cy="4384440"/>
+            <a:off x="2292480" y="1768680"/>
+            <a:ext cx="5494680" cy="4384080"/>
           </a:xfrm>
           <a:prstGeom prst="rect">
             <a:avLst/>
@@ -523,7 +524,7 @@
       </p:pic>
       <p:pic>
         <p:nvPicPr>
-          <p:cNvPr id="38" name="" descr=""/>
+          <p:cNvPr id="35" name="" descr=""/>
           <p:cNvPicPr/>
           <p:nvPr/>
         </p:nvPicPr>
@@ -533,8 +534,8 @@
         </p:blipFill>
         <p:spPr>
           <a:xfrm>
-            <a:off x="2292120" y="1768680"/>
-            <a:ext cx="5495040" cy="4384440"/>
+            <a:off x="2292480" y="1768680"/>
+            <a:ext cx="5494680" cy="4384080"/>
           </a:xfrm>
           <a:prstGeom prst="rect">
             <a:avLst/>
@@ -544,6 +545,635 @@
           </a:ln>
         </p:spPr>
       </p:pic>
+    </p:spTree>
+  </p:cSld>
+</p:sldLayout>
+</file>
+
+<file path=ppt/slideLayouts/slideLayout13.xml><?xml version="1.0" encoding="utf-8"?>
+<p:sldLayout xmlns:a="http://schemas.openxmlformats.org/drawingml/2006/main" xmlns:p="http://schemas.openxmlformats.org/presentationml/2006/main" xmlns:r="http://schemas.openxmlformats.org/officeDocument/2006/relationships" xmlns:p14="http://schemas.microsoft.com/office/powerpoint/2010/main" xmlns:p15="http://schemas.microsoft.com/office/powerpoint/2012/main" xmlns:mc="http://schemas.openxmlformats.org/markup-compatibility/2006" type="blank" preserve="1">
+  <p:cSld name="Blank Slide">
+    <p:spTree>
+      <p:nvGrpSpPr>
+        <p:cNvPr id="1" name=""/>
+        <p:cNvGrpSpPr/>
+        <p:nvPr/>
+      </p:nvGrpSpPr>
+      <p:grpSpPr>
+        <a:xfrm>
+          <a:off x="0" y="0"/>
+          <a:ext cx="0" cy="0"/>
+          <a:chOff x="0" y="0"/>
+          <a:chExt cx="0" cy="0"/>
+        </a:xfrm>
+      </p:grpSpPr>
+    </p:spTree>
+  </p:cSld>
+</p:sldLayout>
+</file>
+
+<file path=ppt/slideLayouts/slideLayout14.xml><?xml version="1.0" encoding="utf-8"?>
+<p:sldLayout xmlns:a="http://schemas.openxmlformats.org/drawingml/2006/main" xmlns:p="http://schemas.openxmlformats.org/presentationml/2006/main" xmlns:r="http://schemas.openxmlformats.org/officeDocument/2006/relationships" xmlns:p14="http://schemas.microsoft.com/office/powerpoint/2010/main" xmlns:p15="http://schemas.microsoft.com/office/powerpoint/2012/main" xmlns:mc="http://schemas.openxmlformats.org/markup-compatibility/2006" type="tx" preserve="1">
+  <p:cSld name="Title Slide">
+    <p:spTree>
+      <p:nvGrpSpPr>
+        <p:cNvPr id="1" name=""/>
+        <p:cNvGrpSpPr/>
+        <p:nvPr/>
+      </p:nvGrpSpPr>
+      <p:grpSpPr>
+        <a:xfrm>
+          <a:off x="0" y="0"/>
+          <a:ext cx="0" cy="0"/>
+          <a:chOff x="0" y="0"/>
+          <a:chExt cx="0" cy="0"/>
+        </a:xfrm>
+      </p:grpSpPr>
+      <p:sp>
+        <p:nvSpPr>
+          <p:cNvPr id="38" name="PlaceHolder 1"/>
+          <p:cNvSpPr>
+            <a:spLocks noGrp="1"/>
+          </p:cNvSpPr>
+          <p:nvPr>
+            <p:ph type="title"/>
+          </p:nvPr>
+        </p:nvSpPr>
+        <p:spPr>
+          <a:xfrm>
+            <a:off x="504000" y="301320"/>
+            <a:ext cx="9072000" cy="1261800"/>
+          </a:xfrm>
+          <a:prstGeom prst="rect">
+            <a:avLst/>
+          </a:prstGeom>
+        </p:spPr>
+        <p:txBody>
+          <a:bodyPr lIns="0" rIns="0" tIns="0" bIns="0" anchor="ctr"/>
+          <a:p>
+            <a:pPr algn="ctr"/>
+            <a:endParaRPr b="0" lang="en-IN" sz="4400" spc="-1" strike="noStrike">
+              <a:solidFill>
+                <a:srgbClr val="000000"/>
+              </a:solidFill>
+              <a:uFill>
+                <a:solidFill>
+                  <a:srgbClr val="ffffff"/>
+                </a:solidFill>
+              </a:uFill>
+              <a:latin typeface="Arial"/>
+            </a:endParaRPr>
+          </a:p>
+        </p:txBody>
+      </p:sp>
+      <p:sp>
+        <p:nvSpPr>
+          <p:cNvPr id="39" name="PlaceHolder 2"/>
+          <p:cNvSpPr>
+            <a:spLocks noGrp="1"/>
+          </p:cNvSpPr>
+          <p:nvPr>
+            <p:ph type="subTitle"/>
+          </p:nvPr>
+        </p:nvSpPr>
+        <p:spPr>
+          <a:xfrm>
+            <a:off x="504000" y="1768680"/>
+            <a:ext cx="9072000" cy="4384080"/>
+          </a:xfrm>
+          <a:prstGeom prst="rect">
+            <a:avLst/>
+          </a:prstGeom>
+        </p:spPr>
+        <p:txBody>
+          <a:bodyPr lIns="0" rIns="0" tIns="0" bIns="0" anchor="ctr"/>
+          <a:p>
+            <a:pPr algn="ctr"/>
+            <a:endParaRPr b="0" lang="en-IN" sz="3200" spc="-1" strike="noStrike">
+              <a:solidFill>
+                <a:srgbClr val="000000"/>
+              </a:solidFill>
+              <a:uFill>
+                <a:solidFill>
+                  <a:srgbClr val="ffffff"/>
+                </a:solidFill>
+              </a:uFill>
+              <a:latin typeface="Arial"/>
+            </a:endParaRPr>
+          </a:p>
+        </p:txBody>
+      </p:sp>
+    </p:spTree>
+  </p:cSld>
+</p:sldLayout>
+</file>
+
+<file path=ppt/slideLayouts/slideLayout15.xml><?xml version="1.0" encoding="utf-8"?>
+<p:sldLayout xmlns:a="http://schemas.openxmlformats.org/drawingml/2006/main" xmlns:p="http://schemas.openxmlformats.org/presentationml/2006/main" xmlns:r="http://schemas.openxmlformats.org/officeDocument/2006/relationships" xmlns:p14="http://schemas.microsoft.com/office/powerpoint/2010/main" xmlns:p15="http://schemas.microsoft.com/office/powerpoint/2012/main" xmlns:mc="http://schemas.openxmlformats.org/markup-compatibility/2006" type="obj" preserve="1">
+  <p:cSld name="Title, Content">
+    <p:spTree>
+      <p:nvGrpSpPr>
+        <p:cNvPr id="1" name=""/>
+        <p:cNvGrpSpPr/>
+        <p:nvPr/>
+      </p:nvGrpSpPr>
+      <p:grpSpPr>
+        <a:xfrm>
+          <a:off x="0" y="0"/>
+          <a:ext cx="0" cy="0"/>
+          <a:chOff x="0" y="0"/>
+          <a:chExt cx="0" cy="0"/>
+        </a:xfrm>
+      </p:grpSpPr>
+      <p:sp>
+        <p:nvSpPr>
+          <p:cNvPr id="40" name="PlaceHolder 1"/>
+          <p:cNvSpPr>
+            <a:spLocks noGrp="1"/>
+          </p:cNvSpPr>
+          <p:nvPr>
+            <p:ph type="title"/>
+          </p:nvPr>
+        </p:nvSpPr>
+        <p:spPr>
+          <a:xfrm>
+            <a:off x="504000" y="301320"/>
+            <a:ext cx="9072000" cy="1261800"/>
+          </a:xfrm>
+          <a:prstGeom prst="rect">
+            <a:avLst/>
+          </a:prstGeom>
+        </p:spPr>
+        <p:txBody>
+          <a:bodyPr lIns="0" rIns="0" tIns="0" bIns="0" anchor="ctr"/>
+          <a:p>
+            <a:pPr algn="ctr"/>
+            <a:endParaRPr b="0" lang="en-IN" sz="4400" spc="-1" strike="noStrike">
+              <a:solidFill>
+                <a:srgbClr val="000000"/>
+              </a:solidFill>
+              <a:uFill>
+                <a:solidFill>
+                  <a:srgbClr val="ffffff"/>
+                </a:solidFill>
+              </a:uFill>
+              <a:latin typeface="Arial"/>
+            </a:endParaRPr>
+          </a:p>
+        </p:txBody>
+      </p:sp>
+      <p:sp>
+        <p:nvSpPr>
+          <p:cNvPr id="41" name="PlaceHolder 2"/>
+          <p:cNvSpPr>
+            <a:spLocks noGrp="1"/>
+          </p:cNvSpPr>
+          <p:nvPr>
+            <p:ph type="body"/>
+          </p:nvPr>
+        </p:nvSpPr>
+        <p:spPr>
+          <a:xfrm>
+            <a:off x="504000" y="1768680"/>
+            <a:ext cx="9072000" cy="4384080"/>
+          </a:xfrm>
+          <a:prstGeom prst="rect">
+            <a:avLst/>
+          </a:prstGeom>
+        </p:spPr>
+        <p:txBody>
+          <a:bodyPr lIns="0" rIns="0" tIns="0" bIns="0"/>
+          <a:p>
+            <a:endParaRPr b="0" lang="en-IN" sz="3200" spc="-1" strike="noStrike">
+              <a:solidFill>
+                <a:srgbClr val="000000"/>
+              </a:solidFill>
+              <a:uFill>
+                <a:solidFill>
+                  <a:srgbClr val="ffffff"/>
+                </a:solidFill>
+              </a:uFill>
+              <a:latin typeface="Arial"/>
+            </a:endParaRPr>
+          </a:p>
+        </p:txBody>
+      </p:sp>
+    </p:spTree>
+  </p:cSld>
+</p:sldLayout>
+</file>
+
+<file path=ppt/slideLayouts/slideLayout16.xml><?xml version="1.0" encoding="utf-8"?>
+<p:sldLayout xmlns:a="http://schemas.openxmlformats.org/drawingml/2006/main" xmlns:p="http://schemas.openxmlformats.org/presentationml/2006/main" xmlns:r="http://schemas.openxmlformats.org/officeDocument/2006/relationships" xmlns:p14="http://schemas.microsoft.com/office/powerpoint/2010/main" xmlns:p15="http://schemas.microsoft.com/office/powerpoint/2012/main" xmlns:mc="http://schemas.openxmlformats.org/markup-compatibility/2006" type="twoObj" preserve="1">
+  <p:cSld name="Title, 2 Content">
+    <p:spTree>
+      <p:nvGrpSpPr>
+        <p:cNvPr id="1" name=""/>
+        <p:cNvGrpSpPr/>
+        <p:nvPr/>
+      </p:nvGrpSpPr>
+      <p:grpSpPr>
+        <a:xfrm>
+          <a:off x="0" y="0"/>
+          <a:ext cx="0" cy="0"/>
+          <a:chOff x="0" y="0"/>
+          <a:chExt cx="0" cy="0"/>
+        </a:xfrm>
+      </p:grpSpPr>
+      <p:sp>
+        <p:nvSpPr>
+          <p:cNvPr id="42" name="PlaceHolder 1"/>
+          <p:cNvSpPr>
+            <a:spLocks noGrp="1"/>
+          </p:cNvSpPr>
+          <p:nvPr>
+            <p:ph type="title"/>
+          </p:nvPr>
+        </p:nvSpPr>
+        <p:spPr>
+          <a:xfrm>
+            <a:off x="504000" y="301320"/>
+            <a:ext cx="9072000" cy="1261800"/>
+          </a:xfrm>
+          <a:prstGeom prst="rect">
+            <a:avLst/>
+          </a:prstGeom>
+        </p:spPr>
+        <p:txBody>
+          <a:bodyPr lIns="0" rIns="0" tIns="0" bIns="0" anchor="ctr"/>
+          <a:p>
+            <a:pPr algn="ctr"/>
+            <a:endParaRPr b="0" lang="en-IN" sz="4400" spc="-1" strike="noStrike">
+              <a:solidFill>
+                <a:srgbClr val="000000"/>
+              </a:solidFill>
+              <a:uFill>
+                <a:solidFill>
+                  <a:srgbClr val="ffffff"/>
+                </a:solidFill>
+              </a:uFill>
+              <a:latin typeface="Arial"/>
+            </a:endParaRPr>
+          </a:p>
+        </p:txBody>
+      </p:sp>
+      <p:sp>
+        <p:nvSpPr>
+          <p:cNvPr id="43" name="PlaceHolder 2"/>
+          <p:cNvSpPr>
+            <a:spLocks noGrp="1"/>
+          </p:cNvSpPr>
+          <p:nvPr>
+            <p:ph type="body"/>
+          </p:nvPr>
+        </p:nvSpPr>
+        <p:spPr>
+          <a:xfrm>
+            <a:off x="504000" y="1768680"/>
+            <a:ext cx="4426920" cy="4384080"/>
+          </a:xfrm>
+          <a:prstGeom prst="rect">
+            <a:avLst/>
+          </a:prstGeom>
+        </p:spPr>
+        <p:txBody>
+          <a:bodyPr lIns="0" rIns="0" tIns="0" bIns="0"/>
+          <a:p>
+            <a:endParaRPr b="0" lang="en-IN" sz="3200" spc="-1" strike="noStrike">
+              <a:solidFill>
+                <a:srgbClr val="000000"/>
+              </a:solidFill>
+              <a:uFill>
+                <a:solidFill>
+                  <a:srgbClr val="ffffff"/>
+                </a:solidFill>
+              </a:uFill>
+              <a:latin typeface="Arial"/>
+            </a:endParaRPr>
+          </a:p>
+        </p:txBody>
+      </p:sp>
+      <p:sp>
+        <p:nvSpPr>
+          <p:cNvPr id="44" name="PlaceHolder 3"/>
+          <p:cNvSpPr>
+            <a:spLocks noGrp="1"/>
+          </p:cNvSpPr>
+          <p:nvPr>
+            <p:ph type="body"/>
+          </p:nvPr>
+        </p:nvSpPr>
+        <p:spPr>
+          <a:xfrm>
+            <a:off x="5152680" y="1768680"/>
+            <a:ext cx="4426920" cy="4384080"/>
+          </a:xfrm>
+          <a:prstGeom prst="rect">
+            <a:avLst/>
+          </a:prstGeom>
+        </p:spPr>
+        <p:txBody>
+          <a:bodyPr lIns="0" rIns="0" tIns="0" bIns="0"/>
+          <a:p>
+            <a:endParaRPr b="0" lang="en-IN" sz="3200" spc="-1" strike="noStrike">
+              <a:solidFill>
+                <a:srgbClr val="000000"/>
+              </a:solidFill>
+              <a:uFill>
+                <a:solidFill>
+                  <a:srgbClr val="ffffff"/>
+                </a:solidFill>
+              </a:uFill>
+              <a:latin typeface="Arial"/>
+            </a:endParaRPr>
+          </a:p>
+        </p:txBody>
+      </p:sp>
+    </p:spTree>
+  </p:cSld>
+</p:sldLayout>
+</file>
+
+<file path=ppt/slideLayouts/slideLayout17.xml><?xml version="1.0" encoding="utf-8"?>
+<p:sldLayout xmlns:a="http://schemas.openxmlformats.org/drawingml/2006/main" xmlns:p="http://schemas.openxmlformats.org/presentationml/2006/main" xmlns:r="http://schemas.openxmlformats.org/officeDocument/2006/relationships" xmlns:p14="http://schemas.microsoft.com/office/powerpoint/2010/main" xmlns:p15="http://schemas.microsoft.com/office/powerpoint/2012/main" xmlns:mc="http://schemas.openxmlformats.org/markup-compatibility/2006" type="titleOnly" preserve="1">
+  <p:cSld name="Title Only">
+    <p:spTree>
+      <p:nvGrpSpPr>
+        <p:cNvPr id="1" name=""/>
+        <p:cNvGrpSpPr/>
+        <p:nvPr/>
+      </p:nvGrpSpPr>
+      <p:grpSpPr>
+        <a:xfrm>
+          <a:off x="0" y="0"/>
+          <a:ext cx="0" cy="0"/>
+          <a:chOff x="0" y="0"/>
+          <a:chExt cx="0" cy="0"/>
+        </a:xfrm>
+      </p:grpSpPr>
+      <p:sp>
+        <p:nvSpPr>
+          <p:cNvPr id="45" name="PlaceHolder 1"/>
+          <p:cNvSpPr>
+            <a:spLocks noGrp="1"/>
+          </p:cNvSpPr>
+          <p:nvPr>
+            <p:ph type="title"/>
+          </p:nvPr>
+        </p:nvSpPr>
+        <p:spPr>
+          <a:xfrm>
+            <a:off x="504000" y="301320"/>
+            <a:ext cx="9072000" cy="1261800"/>
+          </a:xfrm>
+          <a:prstGeom prst="rect">
+            <a:avLst/>
+          </a:prstGeom>
+        </p:spPr>
+        <p:txBody>
+          <a:bodyPr lIns="0" rIns="0" tIns="0" bIns="0" anchor="ctr"/>
+          <a:p>
+            <a:pPr algn="ctr"/>
+            <a:endParaRPr b="0" lang="en-IN" sz="4400" spc="-1" strike="noStrike">
+              <a:solidFill>
+                <a:srgbClr val="000000"/>
+              </a:solidFill>
+              <a:uFill>
+                <a:solidFill>
+                  <a:srgbClr val="ffffff"/>
+                </a:solidFill>
+              </a:uFill>
+              <a:latin typeface="Arial"/>
+            </a:endParaRPr>
+          </a:p>
+        </p:txBody>
+      </p:sp>
+    </p:spTree>
+  </p:cSld>
+</p:sldLayout>
+</file>
+
+<file path=ppt/slideLayouts/slideLayout18.xml><?xml version="1.0" encoding="utf-8"?>
+<p:sldLayout xmlns:a="http://schemas.openxmlformats.org/drawingml/2006/main" xmlns:p="http://schemas.openxmlformats.org/presentationml/2006/main" xmlns:r="http://schemas.openxmlformats.org/officeDocument/2006/relationships" xmlns:p14="http://schemas.microsoft.com/office/powerpoint/2010/main" xmlns:p15="http://schemas.microsoft.com/office/powerpoint/2012/main" xmlns:mc="http://schemas.openxmlformats.org/markup-compatibility/2006" type="objOnly" preserve="1">
+  <p:cSld name="Centered Text">
+    <p:spTree>
+      <p:nvGrpSpPr>
+        <p:cNvPr id="1" name=""/>
+        <p:cNvGrpSpPr/>
+        <p:nvPr/>
+      </p:nvGrpSpPr>
+      <p:grpSpPr>
+        <a:xfrm>
+          <a:off x="0" y="0"/>
+          <a:ext cx="0" cy="0"/>
+          <a:chOff x="0" y="0"/>
+          <a:chExt cx="0" cy="0"/>
+        </a:xfrm>
+      </p:grpSpPr>
+      <p:sp>
+        <p:nvSpPr>
+          <p:cNvPr id="46" name="PlaceHolder 1"/>
+          <p:cNvSpPr>
+            <a:spLocks noGrp="1"/>
+          </p:cNvSpPr>
+          <p:nvPr>
+            <p:ph type="subTitle"/>
+          </p:nvPr>
+        </p:nvSpPr>
+        <p:spPr>
+          <a:xfrm>
+            <a:off x="504000" y="301320"/>
+            <a:ext cx="9072000" cy="5850360"/>
+          </a:xfrm>
+          <a:prstGeom prst="rect">
+            <a:avLst/>
+          </a:prstGeom>
+        </p:spPr>
+        <p:txBody>
+          <a:bodyPr lIns="0" rIns="0" tIns="0" bIns="0" anchor="ctr"/>
+          <a:p>
+            <a:pPr algn="ctr"/>
+            <a:endParaRPr b="0" lang="en-IN" sz="3200" spc="-1" strike="noStrike">
+              <a:solidFill>
+                <a:srgbClr val="000000"/>
+              </a:solidFill>
+              <a:uFill>
+                <a:solidFill>
+                  <a:srgbClr val="ffffff"/>
+                </a:solidFill>
+              </a:uFill>
+              <a:latin typeface="Arial"/>
+            </a:endParaRPr>
+          </a:p>
+        </p:txBody>
+      </p:sp>
+    </p:spTree>
+  </p:cSld>
+</p:sldLayout>
+</file>
+
+<file path=ppt/slideLayouts/slideLayout19.xml><?xml version="1.0" encoding="utf-8"?>
+<p:sldLayout xmlns:a="http://schemas.openxmlformats.org/drawingml/2006/main" xmlns:p="http://schemas.openxmlformats.org/presentationml/2006/main" xmlns:r="http://schemas.openxmlformats.org/officeDocument/2006/relationships" xmlns:p14="http://schemas.microsoft.com/office/powerpoint/2010/main" xmlns:p15="http://schemas.microsoft.com/office/powerpoint/2012/main" xmlns:mc="http://schemas.openxmlformats.org/markup-compatibility/2006" type="twoObjAndObj" preserve="1">
+  <p:cSld name="Title, 2 Content and Content">
+    <p:spTree>
+      <p:nvGrpSpPr>
+        <p:cNvPr id="1" name=""/>
+        <p:cNvGrpSpPr/>
+        <p:nvPr/>
+      </p:nvGrpSpPr>
+      <p:grpSpPr>
+        <a:xfrm>
+          <a:off x="0" y="0"/>
+          <a:ext cx="0" cy="0"/>
+          <a:chOff x="0" y="0"/>
+          <a:chExt cx="0" cy="0"/>
+        </a:xfrm>
+      </p:grpSpPr>
+      <p:sp>
+        <p:nvSpPr>
+          <p:cNvPr id="47" name="PlaceHolder 1"/>
+          <p:cNvSpPr>
+            <a:spLocks noGrp="1"/>
+          </p:cNvSpPr>
+          <p:nvPr>
+            <p:ph type="title"/>
+          </p:nvPr>
+        </p:nvSpPr>
+        <p:spPr>
+          <a:xfrm>
+            <a:off x="504000" y="301320"/>
+            <a:ext cx="9072000" cy="1261800"/>
+          </a:xfrm>
+          <a:prstGeom prst="rect">
+            <a:avLst/>
+          </a:prstGeom>
+        </p:spPr>
+        <p:txBody>
+          <a:bodyPr lIns="0" rIns="0" tIns="0" bIns="0" anchor="ctr"/>
+          <a:p>
+            <a:pPr algn="ctr"/>
+            <a:endParaRPr b="0" lang="en-IN" sz="4400" spc="-1" strike="noStrike">
+              <a:solidFill>
+                <a:srgbClr val="000000"/>
+              </a:solidFill>
+              <a:uFill>
+                <a:solidFill>
+                  <a:srgbClr val="ffffff"/>
+                </a:solidFill>
+              </a:uFill>
+              <a:latin typeface="Arial"/>
+            </a:endParaRPr>
+          </a:p>
+        </p:txBody>
+      </p:sp>
+      <p:sp>
+        <p:nvSpPr>
+          <p:cNvPr id="48" name="PlaceHolder 2"/>
+          <p:cNvSpPr>
+            <a:spLocks noGrp="1"/>
+          </p:cNvSpPr>
+          <p:nvPr>
+            <p:ph type="body"/>
+          </p:nvPr>
+        </p:nvSpPr>
+        <p:spPr>
+          <a:xfrm>
+            <a:off x="504000" y="1768680"/>
+            <a:ext cx="4426920" cy="2090880"/>
+          </a:xfrm>
+          <a:prstGeom prst="rect">
+            <a:avLst/>
+          </a:prstGeom>
+        </p:spPr>
+        <p:txBody>
+          <a:bodyPr lIns="0" rIns="0" tIns="0" bIns="0"/>
+          <a:p>
+            <a:endParaRPr b="0" lang="en-IN" sz="3200" spc="-1" strike="noStrike">
+              <a:solidFill>
+                <a:srgbClr val="000000"/>
+              </a:solidFill>
+              <a:uFill>
+                <a:solidFill>
+                  <a:srgbClr val="ffffff"/>
+                </a:solidFill>
+              </a:uFill>
+              <a:latin typeface="Arial"/>
+            </a:endParaRPr>
+          </a:p>
+        </p:txBody>
+      </p:sp>
+      <p:sp>
+        <p:nvSpPr>
+          <p:cNvPr id="49" name="PlaceHolder 3"/>
+          <p:cNvSpPr>
+            <a:spLocks noGrp="1"/>
+          </p:cNvSpPr>
+          <p:nvPr>
+            <p:ph type="body"/>
+          </p:nvPr>
+        </p:nvSpPr>
+        <p:spPr>
+          <a:xfrm>
+            <a:off x="504000" y="4058640"/>
+            <a:ext cx="4426920" cy="2090880"/>
+          </a:xfrm>
+          <a:prstGeom prst="rect">
+            <a:avLst/>
+          </a:prstGeom>
+        </p:spPr>
+        <p:txBody>
+          <a:bodyPr lIns="0" rIns="0" tIns="0" bIns="0"/>
+          <a:p>
+            <a:endParaRPr b="0" lang="en-IN" sz="3200" spc="-1" strike="noStrike">
+              <a:solidFill>
+                <a:srgbClr val="000000"/>
+              </a:solidFill>
+              <a:uFill>
+                <a:solidFill>
+                  <a:srgbClr val="ffffff"/>
+                </a:solidFill>
+              </a:uFill>
+              <a:latin typeface="Arial"/>
+            </a:endParaRPr>
+          </a:p>
+        </p:txBody>
+      </p:sp>
+      <p:sp>
+        <p:nvSpPr>
+          <p:cNvPr id="50" name="PlaceHolder 4"/>
+          <p:cNvSpPr>
+            <a:spLocks noGrp="1"/>
+          </p:cNvSpPr>
+          <p:nvPr>
+            <p:ph type="body"/>
+          </p:nvPr>
+        </p:nvSpPr>
+        <p:spPr>
+          <a:xfrm>
+            <a:off x="5152680" y="1768680"/>
+            <a:ext cx="4426920" cy="4384080"/>
+          </a:xfrm>
+          <a:prstGeom prst="rect">
+            <a:avLst/>
+          </a:prstGeom>
+        </p:spPr>
+        <p:txBody>
+          <a:bodyPr lIns="0" rIns="0" tIns="0" bIns="0"/>
+          <a:p>
+            <a:endParaRPr b="0" lang="en-IN" sz="3200" spc="-1" strike="noStrike">
+              <a:solidFill>
+                <a:srgbClr val="000000"/>
+              </a:solidFill>
+              <a:uFill>
+                <a:solidFill>
+                  <a:srgbClr val="ffffff"/>
+                </a:solidFill>
+              </a:uFill>
+              <a:latin typeface="Arial"/>
+            </a:endParaRPr>
+          </a:p>
+        </p:txBody>
+      </p:sp>
     </p:spTree>
   </p:cSld>
 </p:sldLayout>
@@ -568,7 +1198,7 @@
       </p:grpSpPr>
       <p:sp>
         <p:nvSpPr>
-          <p:cNvPr id="5" name="PlaceHolder 1"/>
+          <p:cNvPr id="2" name="PlaceHolder 1"/>
           <p:cNvSpPr>
             <a:spLocks noGrp="1"/>
           </p:cNvSpPr>
@@ -579,7 +1209,7 @@
         <p:spPr>
           <a:xfrm>
             <a:off x="504000" y="301320"/>
-            <a:ext cx="9071640" cy="1262160"/>
+            <a:ext cx="9072000" cy="1261800"/>
           </a:xfrm>
           <a:prstGeom prst="rect">
             <a:avLst/>
@@ -605,7 +1235,7 @@
       </p:sp>
       <p:sp>
         <p:nvSpPr>
-          <p:cNvPr id="6" name="PlaceHolder 2"/>
+          <p:cNvPr id="3" name="PlaceHolder 2"/>
           <p:cNvSpPr>
             <a:spLocks noGrp="1"/>
           </p:cNvSpPr>
@@ -615,8 +1245,8 @@
         </p:nvSpPr>
         <p:spPr>
           <a:xfrm>
-            <a:off x="504000" y="1769040"/>
-            <a:ext cx="9071640" cy="4384440"/>
+            <a:off x="504000" y="1768680"/>
+            <a:ext cx="9072000" cy="4384080"/>
           </a:xfrm>
           <a:prstGeom prst="rect">
             <a:avLst/>
@@ -640,6 +1270,851 @@
           </a:p>
         </p:txBody>
       </p:sp>
+    </p:spTree>
+  </p:cSld>
+</p:sldLayout>
+</file>
+
+<file path=ppt/slideLayouts/slideLayout20.xml><?xml version="1.0" encoding="utf-8"?>
+<p:sldLayout xmlns:a="http://schemas.openxmlformats.org/drawingml/2006/main" xmlns:p="http://schemas.openxmlformats.org/presentationml/2006/main" xmlns:r="http://schemas.openxmlformats.org/officeDocument/2006/relationships" xmlns:p14="http://schemas.microsoft.com/office/powerpoint/2010/main" xmlns:p15="http://schemas.microsoft.com/office/powerpoint/2012/main" xmlns:mc="http://schemas.openxmlformats.org/markup-compatibility/2006" type="objAndTwoObj" preserve="1">
+  <p:cSld name="Title Content and 2 Content">
+    <p:spTree>
+      <p:nvGrpSpPr>
+        <p:cNvPr id="1" name=""/>
+        <p:cNvGrpSpPr/>
+        <p:nvPr/>
+      </p:nvGrpSpPr>
+      <p:grpSpPr>
+        <a:xfrm>
+          <a:off x="0" y="0"/>
+          <a:ext cx="0" cy="0"/>
+          <a:chOff x="0" y="0"/>
+          <a:chExt cx="0" cy="0"/>
+        </a:xfrm>
+      </p:grpSpPr>
+      <p:sp>
+        <p:nvSpPr>
+          <p:cNvPr id="51" name="PlaceHolder 1"/>
+          <p:cNvSpPr>
+            <a:spLocks noGrp="1"/>
+          </p:cNvSpPr>
+          <p:nvPr>
+            <p:ph type="title"/>
+          </p:nvPr>
+        </p:nvSpPr>
+        <p:spPr>
+          <a:xfrm>
+            <a:off x="504000" y="301320"/>
+            <a:ext cx="9072000" cy="1261800"/>
+          </a:xfrm>
+          <a:prstGeom prst="rect">
+            <a:avLst/>
+          </a:prstGeom>
+        </p:spPr>
+        <p:txBody>
+          <a:bodyPr lIns="0" rIns="0" tIns="0" bIns="0" anchor="ctr"/>
+          <a:p>
+            <a:pPr algn="ctr"/>
+            <a:endParaRPr b="0" lang="en-IN" sz="4400" spc="-1" strike="noStrike">
+              <a:solidFill>
+                <a:srgbClr val="000000"/>
+              </a:solidFill>
+              <a:uFill>
+                <a:solidFill>
+                  <a:srgbClr val="ffffff"/>
+                </a:solidFill>
+              </a:uFill>
+              <a:latin typeface="Arial"/>
+            </a:endParaRPr>
+          </a:p>
+        </p:txBody>
+      </p:sp>
+      <p:sp>
+        <p:nvSpPr>
+          <p:cNvPr id="52" name="PlaceHolder 2"/>
+          <p:cNvSpPr>
+            <a:spLocks noGrp="1"/>
+          </p:cNvSpPr>
+          <p:nvPr>
+            <p:ph type="body"/>
+          </p:nvPr>
+        </p:nvSpPr>
+        <p:spPr>
+          <a:xfrm>
+            <a:off x="504000" y="1768680"/>
+            <a:ext cx="4426920" cy="4384080"/>
+          </a:xfrm>
+          <a:prstGeom prst="rect">
+            <a:avLst/>
+          </a:prstGeom>
+        </p:spPr>
+        <p:txBody>
+          <a:bodyPr lIns="0" rIns="0" tIns="0" bIns="0"/>
+          <a:p>
+            <a:endParaRPr b="0" lang="en-IN" sz="3200" spc="-1" strike="noStrike">
+              <a:solidFill>
+                <a:srgbClr val="000000"/>
+              </a:solidFill>
+              <a:uFill>
+                <a:solidFill>
+                  <a:srgbClr val="ffffff"/>
+                </a:solidFill>
+              </a:uFill>
+              <a:latin typeface="Arial"/>
+            </a:endParaRPr>
+          </a:p>
+        </p:txBody>
+      </p:sp>
+      <p:sp>
+        <p:nvSpPr>
+          <p:cNvPr id="53" name="PlaceHolder 3"/>
+          <p:cNvSpPr>
+            <a:spLocks noGrp="1"/>
+          </p:cNvSpPr>
+          <p:nvPr>
+            <p:ph type="body"/>
+          </p:nvPr>
+        </p:nvSpPr>
+        <p:spPr>
+          <a:xfrm>
+            <a:off x="5152680" y="1768680"/>
+            <a:ext cx="4426920" cy="2090880"/>
+          </a:xfrm>
+          <a:prstGeom prst="rect">
+            <a:avLst/>
+          </a:prstGeom>
+        </p:spPr>
+        <p:txBody>
+          <a:bodyPr lIns="0" rIns="0" tIns="0" bIns="0"/>
+          <a:p>
+            <a:endParaRPr b="0" lang="en-IN" sz="3200" spc="-1" strike="noStrike">
+              <a:solidFill>
+                <a:srgbClr val="000000"/>
+              </a:solidFill>
+              <a:uFill>
+                <a:solidFill>
+                  <a:srgbClr val="ffffff"/>
+                </a:solidFill>
+              </a:uFill>
+              <a:latin typeface="Arial"/>
+            </a:endParaRPr>
+          </a:p>
+        </p:txBody>
+      </p:sp>
+      <p:sp>
+        <p:nvSpPr>
+          <p:cNvPr id="54" name="PlaceHolder 4"/>
+          <p:cNvSpPr>
+            <a:spLocks noGrp="1"/>
+          </p:cNvSpPr>
+          <p:nvPr>
+            <p:ph type="body"/>
+          </p:nvPr>
+        </p:nvSpPr>
+        <p:spPr>
+          <a:xfrm>
+            <a:off x="5152680" y="4058640"/>
+            <a:ext cx="4426920" cy="2090880"/>
+          </a:xfrm>
+          <a:prstGeom prst="rect">
+            <a:avLst/>
+          </a:prstGeom>
+        </p:spPr>
+        <p:txBody>
+          <a:bodyPr lIns="0" rIns="0" tIns="0" bIns="0"/>
+          <a:p>
+            <a:endParaRPr b="0" lang="en-IN" sz="3200" spc="-1" strike="noStrike">
+              <a:solidFill>
+                <a:srgbClr val="000000"/>
+              </a:solidFill>
+              <a:uFill>
+                <a:solidFill>
+                  <a:srgbClr val="ffffff"/>
+                </a:solidFill>
+              </a:uFill>
+              <a:latin typeface="Arial"/>
+            </a:endParaRPr>
+          </a:p>
+        </p:txBody>
+      </p:sp>
+    </p:spTree>
+  </p:cSld>
+</p:sldLayout>
+</file>
+
+<file path=ppt/slideLayouts/slideLayout21.xml><?xml version="1.0" encoding="utf-8"?>
+<p:sldLayout xmlns:a="http://schemas.openxmlformats.org/drawingml/2006/main" xmlns:p="http://schemas.openxmlformats.org/presentationml/2006/main" xmlns:r="http://schemas.openxmlformats.org/officeDocument/2006/relationships" xmlns:p14="http://schemas.microsoft.com/office/powerpoint/2010/main" xmlns:p15="http://schemas.microsoft.com/office/powerpoint/2012/main" xmlns:mc="http://schemas.openxmlformats.org/markup-compatibility/2006" type="twoObjOverTx" preserve="1">
+  <p:cSld name="Title, 2 Content over Content">
+    <p:spTree>
+      <p:nvGrpSpPr>
+        <p:cNvPr id="1" name=""/>
+        <p:cNvGrpSpPr/>
+        <p:nvPr/>
+      </p:nvGrpSpPr>
+      <p:grpSpPr>
+        <a:xfrm>
+          <a:off x="0" y="0"/>
+          <a:ext cx="0" cy="0"/>
+          <a:chOff x="0" y="0"/>
+          <a:chExt cx="0" cy="0"/>
+        </a:xfrm>
+      </p:grpSpPr>
+      <p:sp>
+        <p:nvSpPr>
+          <p:cNvPr id="55" name="PlaceHolder 1"/>
+          <p:cNvSpPr>
+            <a:spLocks noGrp="1"/>
+          </p:cNvSpPr>
+          <p:nvPr>
+            <p:ph type="title"/>
+          </p:nvPr>
+        </p:nvSpPr>
+        <p:spPr>
+          <a:xfrm>
+            <a:off x="504000" y="301320"/>
+            <a:ext cx="9072000" cy="1261800"/>
+          </a:xfrm>
+          <a:prstGeom prst="rect">
+            <a:avLst/>
+          </a:prstGeom>
+        </p:spPr>
+        <p:txBody>
+          <a:bodyPr lIns="0" rIns="0" tIns="0" bIns="0" anchor="ctr"/>
+          <a:p>
+            <a:pPr algn="ctr"/>
+            <a:endParaRPr b="0" lang="en-IN" sz="4400" spc="-1" strike="noStrike">
+              <a:solidFill>
+                <a:srgbClr val="000000"/>
+              </a:solidFill>
+              <a:uFill>
+                <a:solidFill>
+                  <a:srgbClr val="ffffff"/>
+                </a:solidFill>
+              </a:uFill>
+              <a:latin typeface="Arial"/>
+            </a:endParaRPr>
+          </a:p>
+        </p:txBody>
+      </p:sp>
+      <p:sp>
+        <p:nvSpPr>
+          <p:cNvPr id="56" name="PlaceHolder 2"/>
+          <p:cNvSpPr>
+            <a:spLocks noGrp="1"/>
+          </p:cNvSpPr>
+          <p:nvPr>
+            <p:ph type="body"/>
+          </p:nvPr>
+        </p:nvSpPr>
+        <p:spPr>
+          <a:xfrm>
+            <a:off x="504000" y="1768680"/>
+            <a:ext cx="4426920" cy="2090880"/>
+          </a:xfrm>
+          <a:prstGeom prst="rect">
+            <a:avLst/>
+          </a:prstGeom>
+        </p:spPr>
+        <p:txBody>
+          <a:bodyPr lIns="0" rIns="0" tIns="0" bIns="0"/>
+          <a:p>
+            <a:endParaRPr b="0" lang="en-IN" sz="3200" spc="-1" strike="noStrike">
+              <a:solidFill>
+                <a:srgbClr val="000000"/>
+              </a:solidFill>
+              <a:uFill>
+                <a:solidFill>
+                  <a:srgbClr val="ffffff"/>
+                </a:solidFill>
+              </a:uFill>
+              <a:latin typeface="Arial"/>
+            </a:endParaRPr>
+          </a:p>
+        </p:txBody>
+      </p:sp>
+      <p:sp>
+        <p:nvSpPr>
+          <p:cNvPr id="57" name="PlaceHolder 3"/>
+          <p:cNvSpPr>
+            <a:spLocks noGrp="1"/>
+          </p:cNvSpPr>
+          <p:nvPr>
+            <p:ph type="body"/>
+          </p:nvPr>
+        </p:nvSpPr>
+        <p:spPr>
+          <a:xfrm>
+            <a:off x="5152680" y="1768680"/>
+            <a:ext cx="4426920" cy="2090880"/>
+          </a:xfrm>
+          <a:prstGeom prst="rect">
+            <a:avLst/>
+          </a:prstGeom>
+        </p:spPr>
+        <p:txBody>
+          <a:bodyPr lIns="0" rIns="0" tIns="0" bIns="0"/>
+          <a:p>
+            <a:endParaRPr b="0" lang="en-IN" sz="3200" spc="-1" strike="noStrike">
+              <a:solidFill>
+                <a:srgbClr val="000000"/>
+              </a:solidFill>
+              <a:uFill>
+                <a:solidFill>
+                  <a:srgbClr val="ffffff"/>
+                </a:solidFill>
+              </a:uFill>
+              <a:latin typeface="Arial"/>
+            </a:endParaRPr>
+          </a:p>
+        </p:txBody>
+      </p:sp>
+      <p:sp>
+        <p:nvSpPr>
+          <p:cNvPr id="58" name="PlaceHolder 4"/>
+          <p:cNvSpPr>
+            <a:spLocks noGrp="1"/>
+          </p:cNvSpPr>
+          <p:nvPr>
+            <p:ph type="body"/>
+          </p:nvPr>
+        </p:nvSpPr>
+        <p:spPr>
+          <a:xfrm>
+            <a:off x="504000" y="4058640"/>
+            <a:ext cx="9072000" cy="2090880"/>
+          </a:xfrm>
+          <a:prstGeom prst="rect">
+            <a:avLst/>
+          </a:prstGeom>
+        </p:spPr>
+        <p:txBody>
+          <a:bodyPr lIns="0" rIns="0" tIns="0" bIns="0"/>
+          <a:p>
+            <a:endParaRPr b="0" lang="en-IN" sz="3200" spc="-1" strike="noStrike">
+              <a:solidFill>
+                <a:srgbClr val="000000"/>
+              </a:solidFill>
+              <a:uFill>
+                <a:solidFill>
+                  <a:srgbClr val="ffffff"/>
+                </a:solidFill>
+              </a:uFill>
+              <a:latin typeface="Arial"/>
+            </a:endParaRPr>
+          </a:p>
+        </p:txBody>
+      </p:sp>
+    </p:spTree>
+  </p:cSld>
+</p:sldLayout>
+</file>
+
+<file path=ppt/slideLayouts/slideLayout22.xml><?xml version="1.0" encoding="utf-8"?>
+<p:sldLayout xmlns:a="http://schemas.openxmlformats.org/drawingml/2006/main" xmlns:p="http://schemas.openxmlformats.org/presentationml/2006/main" xmlns:r="http://schemas.openxmlformats.org/officeDocument/2006/relationships" xmlns:p14="http://schemas.microsoft.com/office/powerpoint/2010/main" xmlns:p15="http://schemas.microsoft.com/office/powerpoint/2012/main" xmlns:mc="http://schemas.openxmlformats.org/markup-compatibility/2006" type="objOverTx" preserve="1">
+  <p:cSld name="Title, Content over Content">
+    <p:spTree>
+      <p:nvGrpSpPr>
+        <p:cNvPr id="1" name=""/>
+        <p:cNvGrpSpPr/>
+        <p:nvPr/>
+      </p:nvGrpSpPr>
+      <p:grpSpPr>
+        <a:xfrm>
+          <a:off x="0" y="0"/>
+          <a:ext cx="0" cy="0"/>
+          <a:chOff x="0" y="0"/>
+          <a:chExt cx="0" cy="0"/>
+        </a:xfrm>
+      </p:grpSpPr>
+      <p:sp>
+        <p:nvSpPr>
+          <p:cNvPr id="59" name="PlaceHolder 1"/>
+          <p:cNvSpPr>
+            <a:spLocks noGrp="1"/>
+          </p:cNvSpPr>
+          <p:nvPr>
+            <p:ph type="title"/>
+          </p:nvPr>
+        </p:nvSpPr>
+        <p:spPr>
+          <a:xfrm>
+            <a:off x="504000" y="301320"/>
+            <a:ext cx="9072000" cy="1261800"/>
+          </a:xfrm>
+          <a:prstGeom prst="rect">
+            <a:avLst/>
+          </a:prstGeom>
+        </p:spPr>
+        <p:txBody>
+          <a:bodyPr lIns="0" rIns="0" tIns="0" bIns="0" anchor="ctr"/>
+          <a:p>
+            <a:pPr algn="ctr"/>
+            <a:endParaRPr b="0" lang="en-IN" sz="4400" spc="-1" strike="noStrike">
+              <a:solidFill>
+                <a:srgbClr val="000000"/>
+              </a:solidFill>
+              <a:uFill>
+                <a:solidFill>
+                  <a:srgbClr val="ffffff"/>
+                </a:solidFill>
+              </a:uFill>
+              <a:latin typeface="Arial"/>
+            </a:endParaRPr>
+          </a:p>
+        </p:txBody>
+      </p:sp>
+      <p:sp>
+        <p:nvSpPr>
+          <p:cNvPr id="60" name="PlaceHolder 2"/>
+          <p:cNvSpPr>
+            <a:spLocks noGrp="1"/>
+          </p:cNvSpPr>
+          <p:nvPr>
+            <p:ph type="body"/>
+          </p:nvPr>
+        </p:nvSpPr>
+        <p:spPr>
+          <a:xfrm>
+            <a:off x="504000" y="1768680"/>
+            <a:ext cx="9072000" cy="2090880"/>
+          </a:xfrm>
+          <a:prstGeom prst="rect">
+            <a:avLst/>
+          </a:prstGeom>
+        </p:spPr>
+        <p:txBody>
+          <a:bodyPr lIns="0" rIns="0" tIns="0" bIns="0"/>
+          <a:p>
+            <a:endParaRPr b="0" lang="en-IN" sz="3200" spc="-1" strike="noStrike">
+              <a:solidFill>
+                <a:srgbClr val="000000"/>
+              </a:solidFill>
+              <a:uFill>
+                <a:solidFill>
+                  <a:srgbClr val="ffffff"/>
+                </a:solidFill>
+              </a:uFill>
+              <a:latin typeface="Arial"/>
+            </a:endParaRPr>
+          </a:p>
+        </p:txBody>
+      </p:sp>
+      <p:sp>
+        <p:nvSpPr>
+          <p:cNvPr id="61" name="PlaceHolder 3"/>
+          <p:cNvSpPr>
+            <a:spLocks noGrp="1"/>
+          </p:cNvSpPr>
+          <p:nvPr>
+            <p:ph type="body"/>
+          </p:nvPr>
+        </p:nvSpPr>
+        <p:spPr>
+          <a:xfrm>
+            <a:off x="504000" y="4058640"/>
+            <a:ext cx="9072000" cy="2090880"/>
+          </a:xfrm>
+          <a:prstGeom prst="rect">
+            <a:avLst/>
+          </a:prstGeom>
+        </p:spPr>
+        <p:txBody>
+          <a:bodyPr lIns="0" rIns="0" tIns="0" bIns="0"/>
+          <a:p>
+            <a:endParaRPr b="0" lang="en-IN" sz="3200" spc="-1" strike="noStrike">
+              <a:solidFill>
+                <a:srgbClr val="000000"/>
+              </a:solidFill>
+              <a:uFill>
+                <a:solidFill>
+                  <a:srgbClr val="ffffff"/>
+                </a:solidFill>
+              </a:uFill>
+              <a:latin typeface="Arial"/>
+            </a:endParaRPr>
+          </a:p>
+        </p:txBody>
+      </p:sp>
+    </p:spTree>
+  </p:cSld>
+</p:sldLayout>
+</file>
+
+<file path=ppt/slideLayouts/slideLayout23.xml><?xml version="1.0" encoding="utf-8"?>
+<p:sldLayout xmlns:a="http://schemas.openxmlformats.org/drawingml/2006/main" xmlns:p="http://schemas.openxmlformats.org/presentationml/2006/main" xmlns:r="http://schemas.openxmlformats.org/officeDocument/2006/relationships" xmlns:p14="http://schemas.microsoft.com/office/powerpoint/2010/main" xmlns:p15="http://schemas.microsoft.com/office/powerpoint/2012/main" xmlns:mc="http://schemas.openxmlformats.org/markup-compatibility/2006" type="fourObj" preserve="1">
+  <p:cSld name="Title, 4 Content">
+    <p:spTree>
+      <p:nvGrpSpPr>
+        <p:cNvPr id="1" name=""/>
+        <p:cNvGrpSpPr/>
+        <p:nvPr/>
+      </p:nvGrpSpPr>
+      <p:grpSpPr>
+        <a:xfrm>
+          <a:off x="0" y="0"/>
+          <a:ext cx="0" cy="0"/>
+          <a:chOff x="0" y="0"/>
+          <a:chExt cx="0" cy="0"/>
+        </a:xfrm>
+      </p:grpSpPr>
+      <p:sp>
+        <p:nvSpPr>
+          <p:cNvPr id="62" name="PlaceHolder 1"/>
+          <p:cNvSpPr>
+            <a:spLocks noGrp="1"/>
+          </p:cNvSpPr>
+          <p:nvPr>
+            <p:ph type="title"/>
+          </p:nvPr>
+        </p:nvSpPr>
+        <p:spPr>
+          <a:xfrm>
+            <a:off x="504000" y="301320"/>
+            <a:ext cx="9072000" cy="1261800"/>
+          </a:xfrm>
+          <a:prstGeom prst="rect">
+            <a:avLst/>
+          </a:prstGeom>
+        </p:spPr>
+        <p:txBody>
+          <a:bodyPr lIns="0" rIns="0" tIns="0" bIns="0" anchor="ctr"/>
+          <a:p>
+            <a:pPr algn="ctr"/>
+            <a:endParaRPr b="0" lang="en-IN" sz="4400" spc="-1" strike="noStrike">
+              <a:solidFill>
+                <a:srgbClr val="000000"/>
+              </a:solidFill>
+              <a:uFill>
+                <a:solidFill>
+                  <a:srgbClr val="ffffff"/>
+                </a:solidFill>
+              </a:uFill>
+              <a:latin typeface="Arial"/>
+            </a:endParaRPr>
+          </a:p>
+        </p:txBody>
+      </p:sp>
+      <p:sp>
+        <p:nvSpPr>
+          <p:cNvPr id="63" name="PlaceHolder 2"/>
+          <p:cNvSpPr>
+            <a:spLocks noGrp="1"/>
+          </p:cNvSpPr>
+          <p:nvPr>
+            <p:ph type="body"/>
+          </p:nvPr>
+        </p:nvSpPr>
+        <p:spPr>
+          <a:xfrm>
+            <a:off x="504000" y="1768680"/>
+            <a:ext cx="4426920" cy="2090880"/>
+          </a:xfrm>
+          <a:prstGeom prst="rect">
+            <a:avLst/>
+          </a:prstGeom>
+        </p:spPr>
+        <p:txBody>
+          <a:bodyPr lIns="0" rIns="0" tIns="0" bIns="0"/>
+          <a:p>
+            <a:endParaRPr b="0" lang="en-IN" sz="3200" spc="-1" strike="noStrike">
+              <a:solidFill>
+                <a:srgbClr val="000000"/>
+              </a:solidFill>
+              <a:uFill>
+                <a:solidFill>
+                  <a:srgbClr val="ffffff"/>
+                </a:solidFill>
+              </a:uFill>
+              <a:latin typeface="Arial"/>
+            </a:endParaRPr>
+          </a:p>
+        </p:txBody>
+      </p:sp>
+      <p:sp>
+        <p:nvSpPr>
+          <p:cNvPr id="64" name="PlaceHolder 3"/>
+          <p:cNvSpPr>
+            <a:spLocks noGrp="1"/>
+          </p:cNvSpPr>
+          <p:nvPr>
+            <p:ph type="body"/>
+          </p:nvPr>
+        </p:nvSpPr>
+        <p:spPr>
+          <a:xfrm>
+            <a:off x="5152680" y="1768680"/>
+            <a:ext cx="4426920" cy="2090880"/>
+          </a:xfrm>
+          <a:prstGeom prst="rect">
+            <a:avLst/>
+          </a:prstGeom>
+        </p:spPr>
+        <p:txBody>
+          <a:bodyPr lIns="0" rIns="0" tIns="0" bIns="0"/>
+          <a:p>
+            <a:endParaRPr b="0" lang="en-IN" sz="3200" spc="-1" strike="noStrike">
+              <a:solidFill>
+                <a:srgbClr val="000000"/>
+              </a:solidFill>
+              <a:uFill>
+                <a:solidFill>
+                  <a:srgbClr val="ffffff"/>
+                </a:solidFill>
+              </a:uFill>
+              <a:latin typeface="Arial"/>
+            </a:endParaRPr>
+          </a:p>
+        </p:txBody>
+      </p:sp>
+      <p:sp>
+        <p:nvSpPr>
+          <p:cNvPr id="65" name="PlaceHolder 4"/>
+          <p:cNvSpPr>
+            <a:spLocks noGrp="1"/>
+          </p:cNvSpPr>
+          <p:nvPr>
+            <p:ph type="body"/>
+          </p:nvPr>
+        </p:nvSpPr>
+        <p:spPr>
+          <a:xfrm>
+            <a:off x="5152680" y="4058640"/>
+            <a:ext cx="4426920" cy="2090880"/>
+          </a:xfrm>
+          <a:prstGeom prst="rect">
+            <a:avLst/>
+          </a:prstGeom>
+        </p:spPr>
+        <p:txBody>
+          <a:bodyPr lIns="0" rIns="0" tIns="0" bIns="0"/>
+          <a:p>
+            <a:endParaRPr b="0" lang="en-IN" sz="3200" spc="-1" strike="noStrike">
+              <a:solidFill>
+                <a:srgbClr val="000000"/>
+              </a:solidFill>
+              <a:uFill>
+                <a:solidFill>
+                  <a:srgbClr val="ffffff"/>
+                </a:solidFill>
+              </a:uFill>
+              <a:latin typeface="Arial"/>
+            </a:endParaRPr>
+          </a:p>
+        </p:txBody>
+      </p:sp>
+      <p:sp>
+        <p:nvSpPr>
+          <p:cNvPr id="66" name="PlaceHolder 5"/>
+          <p:cNvSpPr>
+            <a:spLocks noGrp="1"/>
+          </p:cNvSpPr>
+          <p:nvPr>
+            <p:ph type="body"/>
+          </p:nvPr>
+        </p:nvSpPr>
+        <p:spPr>
+          <a:xfrm>
+            <a:off x="504000" y="4058640"/>
+            <a:ext cx="4426920" cy="2090880"/>
+          </a:xfrm>
+          <a:prstGeom prst="rect">
+            <a:avLst/>
+          </a:prstGeom>
+        </p:spPr>
+        <p:txBody>
+          <a:bodyPr lIns="0" rIns="0" tIns="0" bIns="0"/>
+          <a:p>
+            <a:endParaRPr b="0" lang="en-IN" sz="3200" spc="-1" strike="noStrike">
+              <a:solidFill>
+                <a:srgbClr val="000000"/>
+              </a:solidFill>
+              <a:uFill>
+                <a:solidFill>
+                  <a:srgbClr val="ffffff"/>
+                </a:solidFill>
+              </a:uFill>
+              <a:latin typeface="Arial"/>
+            </a:endParaRPr>
+          </a:p>
+        </p:txBody>
+      </p:sp>
+    </p:spTree>
+  </p:cSld>
+</p:sldLayout>
+</file>
+
+<file path=ppt/slideLayouts/slideLayout24.xml><?xml version="1.0" encoding="utf-8"?>
+<p:sldLayout xmlns:a="http://schemas.openxmlformats.org/drawingml/2006/main" xmlns:p="http://schemas.openxmlformats.org/presentationml/2006/main" xmlns:r="http://schemas.openxmlformats.org/officeDocument/2006/relationships" xmlns:p14="http://schemas.microsoft.com/office/powerpoint/2010/main" xmlns:p15="http://schemas.microsoft.com/office/powerpoint/2012/main" xmlns:mc="http://schemas.openxmlformats.org/markup-compatibility/2006" type="blank" preserve="1">
+  <p:cSld name="Title, 6 Content">
+    <p:spTree>
+      <p:nvGrpSpPr>
+        <p:cNvPr id="1" name=""/>
+        <p:cNvGrpSpPr/>
+        <p:nvPr/>
+      </p:nvGrpSpPr>
+      <p:grpSpPr>
+        <a:xfrm>
+          <a:off x="0" y="0"/>
+          <a:ext cx="0" cy="0"/>
+          <a:chOff x="0" y="0"/>
+          <a:chExt cx="0" cy="0"/>
+        </a:xfrm>
+      </p:grpSpPr>
+      <p:sp>
+        <p:nvSpPr>
+          <p:cNvPr id="67" name="PlaceHolder 1"/>
+          <p:cNvSpPr>
+            <a:spLocks noGrp="1"/>
+          </p:cNvSpPr>
+          <p:nvPr>
+            <p:ph type="title"/>
+          </p:nvPr>
+        </p:nvSpPr>
+        <p:spPr>
+          <a:xfrm>
+            <a:off x="504000" y="301320"/>
+            <a:ext cx="9072000" cy="1261800"/>
+          </a:xfrm>
+          <a:prstGeom prst="rect">
+            <a:avLst/>
+          </a:prstGeom>
+        </p:spPr>
+        <p:txBody>
+          <a:bodyPr lIns="0" rIns="0" tIns="0" bIns="0" anchor="ctr"/>
+          <a:p>
+            <a:pPr algn="ctr"/>
+            <a:endParaRPr b="0" lang="en-IN" sz="4400" spc="-1" strike="noStrike">
+              <a:solidFill>
+                <a:srgbClr val="000000"/>
+              </a:solidFill>
+              <a:uFill>
+                <a:solidFill>
+                  <a:srgbClr val="ffffff"/>
+                </a:solidFill>
+              </a:uFill>
+              <a:latin typeface="Arial"/>
+            </a:endParaRPr>
+          </a:p>
+        </p:txBody>
+      </p:sp>
+      <p:sp>
+        <p:nvSpPr>
+          <p:cNvPr id="68" name="PlaceHolder 2"/>
+          <p:cNvSpPr>
+            <a:spLocks noGrp="1"/>
+          </p:cNvSpPr>
+          <p:nvPr>
+            <p:ph type="body"/>
+          </p:nvPr>
+        </p:nvSpPr>
+        <p:spPr>
+          <a:xfrm>
+            <a:off x="504000" y="1768680"/>
+            <a:ext cx="9072000" cy="4384080"/>
+          </a:xfrm>
+          <a:prstGeom prst="rect">
+            <a:avLst/>
+          </a:prstGeom>
+        </p:spPr>
+        <p:txBody>
+          <a:bodyPr lIns="0" rIns="0" tIns="0" bIns="0"/>
+          <a:p>
+            <a:endParaRPr b="0" lang="en-IN" sz="3200" spc="-1" strike="noStrike">
+              <a:solidFill>
+                <a:srgbClr val="000000"/>
+              </a:solidFill>
+              <a:uFill>
+                <a:solidFill>
+                  <a:srgbClr val="ffffff"/>
+                </a:solidFill>
+              </a:uFill>
+              <a:latin typeface="Arial"/>
+            </a:endParaRPr>
+          </a:p>
+        </p:txBody>
+      </p:sp>
+      <p:sp>
+        <p:nvSpPr>
+          <p:cNvPr id="69" name="PlaceHolder 3"/>
+          <p:cNvSpPr>
+            <a:spLocks noGrp="1"/>
+          </p:cNvSpPr>
+          <p:nvPr>
+            <p:ph type="body"/>
+          </p:nvPr>
+        </p:nvSpPr>
+        <p:spPr>
+          <a:xfrm>
+            <a:off x="504000" y="1768680"/>
+            <a:ext cx="9072000" cy="4384080"/>
+          </a:xfrm>
+          <a:prstGeom prst="rect">
+            <a:avLst/>
+          </a:prstGeom>
+        </p:spPr>
+        <p:txBody>
+          <a:bodyPr lIns="0" rIns="0" tIns="0" bIns="0"/>
+          <a:p>
+            <a:endParaRPr b="0" lang="en-IN" sz="3200" spc="-1" strike="noStrike">
+              <a:solidFill>
+                <a:srgbClr val="000000"/>
+              </a:solidFill>
+              <a:uFill>
+                <a:solidFill>
+                  <a:srgbClr val="ffffff"/>
+                </a:solidFill>
+              </a:uFill>
+              <a:latin typeface="Arial"/>
+            </a:endParaRPr>
+          </a:p>
+        </p:txBody>
+      </p:sp>
+      <p:pic>
+        <p:nvPicPr>
+          <p:cNvPr id="70" name="" descr=""/>
+          <p:cNvPicPr/>
+          <p:nvPr/>
+        </p:nvPicPr>
+        <p:blipFill>
+          <a:blip r:embed="rId2"/>
+          <a:stretch/>
+        </p:blipFill>
+        <p:spPr>
+          <a:xfrm>
+            <a:off x="2292480" y="1768680"/>
+            <a:ext cx="5494680" cy="4384080"/>
+          </a:xfrm>
+          <a:prstGeom prst="rect">
+            <a:avLst/>
+          </a:prstGeom>
+          <a:ln>
+            <a:noFill/>
+          </a:ln>
+        </p:spPr>
+      </p:pic>
+      <p:pic>
+        <p:nvPicPr>
+          <p:cNvPr id="71" name="" descr=""/>
+          <p:cNvPicPr/>
+          <p:nvPr/>
+        </p:nvPicPr>
+        <p:blipFill>
+          <a:blip r:embed="rId3"/>
+          <a:stretch/>
+        </p:blipFill>
+        <p:spPr>
+          <a:xfrm>
+            <a:off x="2292480" y="1768680"/>
+            <a:ext cx="5494680" cy="4384080"/>
+          </a:xfrm>
+          <a:prstGeom prst="rect">
+            <a:avLst/>
+          </a:prstGeom>
+          <a:ln>
+            <a:noFill/>
+          </a:ln>
+        </p:spPr>
+      </p:pic>
     </p:spTree>
   </p:cSld>
 </p:sldLayout>
@@ -664,7 +2139,7 @@
       </p:grpSpPr>
       <p:sp>
         <p:nvSpPr>
-          <p:cNvPr id="7" name="PlaceHolder 1"/>
+          <p:cNvPr id="4" name="PlaceHolder 1"/>
           <p:cNvSpPr>
             <a:spLocks noGrp="1"/>
           </p:cNvSpPr>
@@ -675,7 +2150,7 @@
         <p:spPr>
           <a:xfrm>
             <a:off x="504000" y="301320"/>
-            <a:ext cx="9071640" cy="1262160"/>
+            <a:ext cx="9072000" cy="1261800"/>
           </a:xfrm>
           <a:prstGeom prst="rect">
             <a:avLst/>
@@ -701,7 +2176,7 @@
       </p:sp>
       <p:sp>
         <p:nvSpPr>
-          <p:cNvPr id="8" name="PlaceHolder 2"/>
+          <p:cNvPr id="5" name="PlaceHolder 2"/>
           <p:cNvSpPr>
             <a:spLocks noGrp="1"/>
           </p:cNvSpPr>
@@ -711,8 +2186,8 @@
         </p:nvSpPr>
         <p:spPr>
           <a:xfrm>
-            <a:off x="504000" y="1769040"/>
-            <a:ext cx="9071640" cy="4384440"/>
+            <a:off x="504000" y="1768680"/>
+            <a:ext cx="9072000" cy="4384080"/>
           </a:xfrm>
           <a:prstGeom prst="rect">
             <a:avLst/>
@@ -759,7 +2234,7 @@
       </p:grpSpPr>
       <p:sp>
         <p:nvSpPr>
-          <p:cNvPr id="9" name="PlaceHolder 1"/>
+          <p:cNvPr id="6" name="PlaceHolder 1"/>
           <p:cNvSpPr>
             <a:spLocks noGrp="1"/>
           </p:cNvSpPr>
@@ -770,7 +2245,7 @@
         <p:spPr>
           <a:xfrm>
             <a:off x="504000" y="301320"/>
-            <a:ext cx="9071640" cy="1262160"/>
+            <a:ext cx="9072000" cy="1261800"/>
           </a:xfrm>
           <a:prstGeom prst="rect">
             <a:avLst/>
@@ -796,7 +2271,7 @@
       </p:sp>
       <p:sp>
         <p:nvSpPr>
-          <p:cNvPr id="10" name="PlaceHolder 2"/>
+          <p:cNvPr id="7" name="PlaceHolder 2"/>
           <p:cNvSpPr>
             <a:spLocks noGrp="1"/>
           </p:cNvSpPr>
@@ -806,8 +2281,8 @@
         </p:nvSpPr>
         <p:spPr>
           <a:xfrm>
-            <a:off x="504000" y="1769040"/>
-            <a:ext cx="4426920" cy="4384440"/>
+            <a:off x="504000" y="1768680"/>
+            <a:ext cx="4426920" cy="4384080"/>
           </a:xfrm>
           <a:prstGeom prst="rect">
             <a:avLst/>
@@ -832,7 +2307,7 @@
       </p:sp>
       <p:sp>
         <p:nvSpPr>
-          <p:cNvPr id="11" name="PlaceHolder 3"/>
+          <p:cNvPr id="8" name="PlaceHolder 3"/>
           <p:cNvSpPr>
             <a:spLocks noGrp="1"/>
           </p:cNvSpPr>
@@ -842,8 +2317,8 @@
         </p:nvSpPr>
         <p:spPr>
           <a:xfrm>
-            <a:off x="5152680" y="1769040"/>
-            <a:ext cx="4426920" cy="4384440"/>
+            <a:off x="5152680" y="1768680"/>
+            <a:ext cx="4426920" cy="4384080"/>
           </a:xfrm>
           <a:prstGeom prst="rect">
             <a:avLst/>
@@ -890,7 +2365,7 @@
       </p:grpSpPr>
       <p:sp>
         <p:nvSpPr>
-          <p:cNvPr id="12" name="PlaceHolder 1"/>
+          <p:cNvPr id="9" name="PlaceHolder 1"/>
           <p:cNvSpPr>
             <a:spLocks noGrp="1"/>
           </p:cNvSpPr>
@@ -901,7 +2376,7 @@
         <p:spPr>
           <a:xfrm>
             <a:off x="504000" y="301320"/>
-            <a:ext cx="9071640" cy="1262160"/>
+            <a:ext cx="9072000" cy="1261800"/>
           </a:xfrm>
           <a:prstGeom prst="rect">
             <a:avLst/>
@@ -949,7 +2424,7 @@
       </p:grpSpPr>
       <p:sp>
         <p:nvSpPr>
-          <p:cNvPr id="13" name="PlaceHolder 1"/>
+          <p:cNvPr id="10" name="PlaceHolder 1"/>
           <p:cNvSpPr>
             <a:spLocks noGrp="1"/>
           </p:cNvSpPr>
@@ -960,7 +2435,7 @@
         <p:spPr>
           <a:xfrm>
             <a:off x="504000" y="301320"/>
-            <a:ext cx="9071640" cy="5851800"/>
+            <a:ext cx="9072000" cy="5850360"/>
           </a:xfrm>
           <a:prstGeom prst="rect">
             <a:avLst/>
@@ -1008,7 +2483,7 @@
       </p:grpSpPr>
       <p:sp>
         <p:nvSpPr>
-          <p:cNvPr id="14" name="PlaceHolder 1"/>
+          <p:cNvPr id="11" name="PlaceHolder 1"/>
           <p:cNvSpPr>
             <a:spLocks noGrp="1"/>
           </p:cNvSpPr>
@@ -1019,7 +2494,7 @@
         <p:spPr>
           <a:xfrm>
             <a:off x="504000" y="301320"/>
-            <a:ext cx="9071640" cy="1262160"/>
+            <a:ext cx="9072000" cy="1261800"/>
           </a:xfrm>
           <a:prstGeom prst="rect">
             <a:avLst/>
@@ -1045,7 +2520,7 @@
       </p:sp>
       <p:sp>
         <p:nvSpPr>
-          <p:cNvPr id="15" name="PlaceHolder 2"/>
+          <p:cNvPr id="12" name="PlaceHolder 2"/>
           <p:cNvSpPr>
             <a:spLocks noGrp="1"/>
           </p:cNvSpPr>
@@ -1055,8 +2530,8 @@
         </p:nvSpPr>
         <p:spPr>
           <a:xfrm>
-            <a:off x="504000" y="1769040"/>
-            <a:ext cx="4426920" cy="2091240"/>
+            <a:off x="504000" y="1768680"/>
+            <a:ext cx="4426920" cy="2090880"/>
           </a:xfrm>
           <a:prstGeom prst="rect">
             <a:avLst/>
@@ -1081,7 +2556,7 @@
       </p:sp>
       <p:sp>
         <p:nvSpPr>
-          <p:cNvPr id="16" name="PlaceHolder 3"/>
+          <p:cNvPr id="13" name="PlaceHolder 3"/>
           <p:cNvSpPr>
             <a:spLocks noGrp="1"/>
           </p:cNvSpPr>
@@ -1091,8 +2566,8 @@
         </p:nvSpPr>
         <p:spPr>
           <a:xfrm>
-            <a:off x="504000" y="4059360"/>
-            <a:ext cx="4426920" cy="2091240"/>
+            <a:off x="504000" y="4058640"/>
+            <a:ext cx="4426920" cy="2090880"/>
           </a:xfrm>
           <a:prstGeom prst="rect">
             <a:avLst/>
@@ -1117,7 +2592,7 @@
       </p:sp>
       <p:sp>
         <p:nvSpPr>
-          <p:cNvPr id="17" name="PlaceHolder 4"/>
+          <p:cNvPr id="14" name="PlaceHolder 4"/>
           <p:cNvSpPr>
             <a:spLocks noGrp="1"/>
           </p:cNvSpPr>
@@ -1127,8 +2602,8 @@
         </p:nvSpPr>
         <p:spPr>
           <a:xfrm>
-            <a:off x="5152680" y="1769040"/>
-            <a:ext cx="4426920" cy="4384440"/>
+            <a:off x="5152680" y="1768680"/>
+            <a:ext cx="4426920" cy="4384080"/>
           </a:xfrm>
           <a:prstGeom prst="rect">
             <a:avLst/>
@@ -1175,7 +2650,7 @@
       </p:grpSpPr>
       <p:sp>
         <p:nvSpPr>
-          <p:cNvPr id="18" name="PlaceHolder 1"/>
+          <p:cNvPr id="15" name="PlaceHolder 1"/>
           <p:cNvSpPr>
             <a:spLocks noGrp="1"/>
           </p:cNvSpPr>
@@ -1186,7 +2661,7 @@
         <p:spPr>
           <a:xfrm>
             <a:off x="504000" y="301320"/>
-            <a:ext cx="9071640" cy="1262160"/>
+            <a:ext cx="9072000" cy="1261800"/>
           </a:xfrm>
           <a:prstGeom prst="rect">
             <a:avLst/>
@@ -1212,7 +2687,7 @@
       </p:sp>
       <p:sp>
         <p:nvSpPr>
-          <p:cNvPr id="19" name="PlaceHolder 2"/>
+          <p:cNvPr id="16" name="PlaceHolder 2"/>
           <p:cNvSpPr>
             <a:spLocks noGrp="1"/>
           </p:cNvSpPr>
@@ -1222,8 +2697,8 @@
         </p:nvSpPr>
         <p:spPr>
           <a:xfrm>
-            <a:off x="504000" y="1769040"/>
-            <a:ext cx="4426920" cy="4384440"/>
+            <a:off x="504000" y="1768680"/>
+            <a:ext cx="4426920" cy="4384080"/>
           </a:xfrm>
           <a:prstGeom prst="rect">
             <a:avLst/>
@@ -1248,7 +2723,7 @@
       </p:sp>
       <p:sp>
         <p:nvSpPr>
-          <p:cNvPr id="20" name="PlaceHolder 3"/>
+          <p:cNvPr id="17" name="PlaceHolder 3"/>
           <p:cNvSpPr>
             <a:spLocks noGrp="1"/>
           </p:cNvSpPr>
@@ -1258,8 +2733,8 @@
         </p:nvSpPr>
         <p:spPr>
           <a:xfrm>
-            <a:off x="5152680" y="1769040"/>
-            <a:ext cx="4426920" cy="2091240"/>
+            <a:off x="5152680" y="1768680"/>
+            <a:ext cx="4426920" cy="2090880"/>
           </a:xfrm>
           <a:prstGeom prst="rect">
             <a:avLst/>
@@ -1284,7 +2759,7 @@
       </p:sp>
       <p:sp>
         <p:nvSpPr>
-          <p:cNvPr id="21" name="PlaceHolder 4"/>
+          <p:cNvPr id="18" name="PlaceHolder 4"/>
           <p:cNvSpPr>
             <a:spLocks noGrp="1"/>
           </p:cNvSpPr>
@@ -1294,8 +2769,8 @@
         </p:nvSpPr>
         <p:spPr>
           <a:xfrm>
-            <a:off x="5152680" y="4059360"/>
-            <a:ext cx="4426920" cy="2091240"/>
+            <a:off x="5152680" y="4058640"/>
+            <a:ext cx="4426920" cy="2090880"/>
           </a:xfrm>
           <a:prstGeom prst="rect">
             <a:avLst/>
@@ -1342,7 +2817,7 @@
       </p:grpSpPr>
       <p:sp>
         <p:nvSpPr>
-          <p:cNvPr id="22" name="PlaceHolder 1"/>
+          <p:cNvPr id="19" name="PlaceHolder 1"/>
           <p:cNvSpPr>
             <a:spLocks noGrp="1"/>
           </p:cNvSpPr>
@@ -1353,7 +2828,7 @@
         <p:spPr>
           <a:xfrm>
             <a:off x="504000" y="301320"/>
-            <a:ext cx="9071640" cy="1262160"/>
+            <a:ext cx="9072000" cy="1261800"/>
           </a:xfrm>
           <a:prstGeom prst="rect">
             <a:avLst/>
@@ -1379,7 +2854,7 @@
       </p:sp>
       <p:sp>
         <p:nvSpPr>
-          <p:cNvPr id="23" name="PlaceHolder 2"/>
+          <p:cNvPr id="20" name="PlaceHolder 2"/>
           <p:cNvSpPr>
             <a:spLocks noGrp="1"/>
           </p:cNvSpPr>
@@ -1389,8 +2864,8 @@
         </p:nvSpPr>
         <p:spPr>
           <a:xfrm>
-            <a:off x="504000" y="1769040"/>
-            <a:ext cx="4426920" cy="2091240"/>
+            <a:off x="504000" y="1768680"/>
+            <a:ext cx="4426920" cy="2090880"/>
           </a:xfrm>
           <a:prstGeom prst="rect">
             <a:avLst/>
@@ -1415,7 +2890,7 @@
       </p:sp>
       <p:sp>
         <p:nvSpPr>
-          <p:cNvPr id="24" name="PlaceHolder 3"/>
+          <p:cNvPr id="21" name="PlaceHolder 3"/>
           <p:cNvSpPr>
             <a:spLocks noGrp="1"/>
           </p:cNvSpPr>
@@ -1425,8 +2900,8 @@
         </p:nvSpPr>
         <p:spPr>
           <a:xfrm>
-            <a:off x="5152680" y="1769040"/>
-            <a:ext cx="4426920" cy="2091240"/>
+            <a:off x="5152680" y="1768680"/>
+            <a:ext cx="4426920" cy="2090880"/>
           </a:xfrm>
           <a:prstGeom prst="rect">
             <a:avLst/>
@@ -1451,7 +2926,7 @@
       </p:sp>
       <p:sp>
         <p:nvSpPr>
-          <p:cNvPr id="25" name="PlaceHolder 4"/>
+          <p:cNvPr id="22" name="PlaceHolder 4"/>
           <p:cNvSpPr>
             <a:spLocks noGrp="1"/>
           </p:cNvSpPr>
@@ -1461,8 +2936,8 @@
         </p:nvSpPr>
         <p:spPr>
           <a:xfrm>
-            <a:off x="504000" y="4059360"/>
-            <a:ext cx="9071640" cy="2091240"/>
+            <a:off x="504000" y="4058640"/>
+            <a:ext cx="9072000" cy="2090880"/>
           </a:xfrm>
           <a:prstGeom prst="rect">
             <a:avLst/>
@@ -1520,7 +2995,7 @@
         <p:spPr>
           <a:xfrm>
             <a:off x="504000" y="301320"/>
-            <a:ext cx="9071640" cy="1262160"/>
+            <a:ext cx="9071280" cy="1261800"/>
           </a:xfrm>
           <a:prstGeom prst="rect">
             <a:avLst/>
@@ -1530,8 +3005,52 @@
           <a:bodyPr lIns="0" rIns="0" tIns="0" bIns="0" anchor="ctr"/>
           <a:p>
             <a:pPr algn="ctr"/>
+            <a:endParaRPr b="0" lang="en-IN" sz="4400" spc="-1" strike="noStrike">
+              <a:solidFill>
+                <a:srgbClr val="000000"/>
+              </a:solidFill>
+              <a:uFill>
+                <a:solidFill>
+                  <a:srgbClr val="ffffff"/>
+                </a:solidFill>
+              </a:uFill>
+              <a:latin typeface="Arial"/>
+            </a:endParaRPr>
+          </a:p>
+        </p:txBody>
+      </p:sp>
+      <p:sp>
+        <p:nvSpPr>
+          <p:cNvPr id="1" name="PlaceHolder 2"/>
+          <p:cNvSpPr>
+            <a:spLocks noGrp="1"/>
+          </p:cNvSpPr>
+          <p:nvPr>
+            <p:ph type="body"/>
+          </p:nvPr>
+        </p:nvSpPr>
+        <p:spPr>
+          <a:xfrm>
+            <a:off x="504000" y="1768680"/>
+            <a:ext cx="9072000" cy="4384080"/>
+          </a:xfrm>
+          <a:prstGeom prst="rect">
+            <a:avLst/>
+          </a:prstGeom>
+        </p:spPr>
+        <p:txBody>
+          <a:bodyPr lIns="0" rIns="0" tIns="0" bIns="0"/>
+          <a:p>
+            <a:pPr marL="432000" indent="-324000">
+              <a:buClr>
+                <a:srgbClr val="000000"/>
+              </a:buClr>
+              <a:buSzPct val="45000"/>
+              <a:buFont typeface="Wingdings" charset="2"/>
+              <a:buChar char=""/>
+            </a:pPr>
             <a:r>
-              <a:rPr b="0" lang="en-IN" sz="4400" spc="-1" strike="noStrike">
+              <a:rPr b="0" lang="en-IN" sz="3200" spc="-1" strike="noStrike">
                 <a:solidFill>
                   <a:srgbClr val="000000"/>
                 </a:solidFill>
@@ -1542,10 +3061,31 @@
                 </a:uFill>
                 <a:latin typeface="Arial"/>
               </a:rPr>
-              <a:t>Click to </a:t>
+              <a:t>Click to edit the outline text format</a:t>
             </a:r>
+            <a:endParaRPr b="0" lang="en-IN" sz="3200" spc="-1" strike="noStrike">
+              <a:solidFill>
+                <a:srgbClr val="000000"/>
+              </a:solidFill>
+              <a:uFill>
+                <a:solidFill>
+                  <a:srgbClr val="ffffff"/>
+                </a:solidFill>
+              </a:uFill>
+              <a:latin typeface="Arial"/>
+            </a:endParaRPr>
+          </a:p>
+          <a:p>
+            <a:pPr lvl="1" marL="864000" indent="-324000">
+              <a:buClr>
+                <a:srgbClr val="000000"/>
+              </a:buClr>
+              <a:buSzPct val="75000"/>
+              <a:buFont typeface="Symbol" charset="2"/>
+              <a:buChar char=""/>
+            </a:pPr>
             <a:r>
-              <a:rPr b="0" lang="en-IN" sz="4400" spc="-1" strike="noStrike">
+              <a:rPr b="0" lang="en-IN" sz="2800" spc="-1" strike="noStrike">
                 <a:solidFill>
                   <a:srgbClr val="000000"/>
                 </a:solidFill>
@@ -1556,10 +3096,31 @@
                 </a:uFill>
                 <a:latin typeface="Arial"/>
               </a:rPr>
-              <a:t>edit the </a:t>
+              <a:t>Second Outline Level</a:t>
             </a:r>
+            <a:endParaRPr b="0" lang="en-IN" sz="2800" spc="-1" strike="noStrike">
+              <a:solidFill>
+                <a:srgbClr val="000000"/>
+              </a:solidFill>
+              <a:uFill>
+                <a:solidFill>
+                  <a:srgbClr val="ffffff"/>
+                </a:solidFill>
+              </a:uFill>
+              <a:latin typeface="Arial"/>
+            </a:endParaRPr>
+          </a:p>
+          <a:p>
+            <a:pPr lvl="2" marL="1296000" indent="-288000">
+              <a:buClr>
+                <a:srgbClr val="000000"/>
+              </a:buClr>
+              <a:buSzPct val="45000"/>
+              <a:buFont typeface="Wingdings" charset="2"/>
+              <a:buChar char=""/>
+            </a:pPr>
             <a:r>
-              <a:rPr b="0" lang="en-IN" sz="4400" spc="-1" strike="noStrike">
+              <a:rPr b="0" lang="en-IN" sz="2400" spc="-1" strike="noStrike">
                 <a:solidFill>
                   <a:srgbClr val="000000"/>
                 </a:solidFill>
@@ -1570,10 +3131,31 @@
                 </a:uFill>
                 <a:latin typeface="Arial"/>
               </a:rPr>
-              <a:t>title text </a:t>
+              <a:t>Third Outline Level</a:t>
             </a:r>
+            <a:endParaRPr b="0" lang="en-IN" sz="2400" spc="-1" strike="noStrike">
+              <a:solidFill>
+                <a:srgbClr val="000000"/>
+              </a:solidFill>
+              <a:uFill>
+                <a:solidFill>
+                  <a:srgbClr val="ffffff"/>
+                </a:solidFill>
+              </a:uFill>
+              <a:latin typeface="Arial"/>
+            </a:endParaRPr>
+          </a:p>
+          <a:p>
+            <a:pPr lvl="3" marL="1728000" indent="-216000">
+              <a:buClr>
+                <a:srgbClr val="000000"/>
+              </a:buClr>
+              <a:buSzPct val="75000"/>
+              <a:buFont typeface="Symbol" charset="2"/>
+              <a:buChar char=""/>
+            </a:pPr>
             <a:r>
-              <a:rPr b="0" lang="en-IN" sz="4400" spc="-1" strike="noStrike">
+              <a:rPr b="0" lang="en-IN" sz="2000" spc="-1" strike="noStrike">
                 <a:solidFill>
                   <a:srgbClr val="000000"/>
                 </a:solidFill>
@@ -1584,45 +3166,22 @@
                 </a:uFill>
                 <a:latin typeface="Arial"/>
               </a:rPr>
-              <a:t>format</a:t>
+              <a:t>Fourth Outline Level</a:t>
             </a:r>
-            <a:endParaRPr b="0" lang="en-IN" sz="4400" spc="-1" strike="noStrike">
-              <a:solidFill>
-                <a:srgbClr val="000000"/>
-              </a:solidFill>
-              <a:uFill>
-                <a:solidFill>
-                  <a:srgbClr val="ffffff"/>
-                </a:solidFill>
-              </a:uFill>
-              <a:latin typeface="Arial"/>
-            </a:endParaRPr>
-          </a:p>
-        </p:txBody>
-      </p:sp>
-      <p:sp>
-        <p:nvSpPr>
-          <p:cNvPr id="1" name="PlaceHolder 2"/>
-          <p:cNvSpPr>
-            <a:spLocks noGrp="1"/>
-          </p:cNvSpPr>
-          <p:nvPr>
-            <p:ph type="body"/>
-          </p:nvPr>
-        </p:nvSpPr>
-        <p:spPr>
-          <a:xfrm>
-            <a:off x="504000" y="1769040"/>
-            <a:ext cx="9071640" cy="4384440"/>
-          </a:xfrm>
-          <a:prstGeom prst="rect">
-            <a:avLst/>
-          </a:prstGeom>
-        </p:spPr>
-        <p:txBody>
-          <a:bodyPr lIns="0" rIns="0" tIns="0" bIns="0"/>
-          <a:p>
-            <a:pPr marL="432000" indent="-324000">
+            <a:endParaRPr b="0" lang="en-IN" sz="2000" spc="-1" strike="noStrike">
+              <a:solidFill>
+                <a:srgbClr val="000000"/>
+              </a:solidFill>
+              <a:uFill>
+                <a:solidFill>
+                  <a:srgbClr val="ffffff"/>
+                </a:solidFill>
+              </a:uFill>
+              <a:latin typeface="Arial"/>
+            </a:endParaRPr>
+          </a:p>
+          <a:p>
+            <a:pPr lvl="4" marL="2160000" indent="-216000">
               <a:buClr>
                 <a:srgbClr val="000000"/>
               </a:buClr>
@@ -1631,7 +3190,7 @@
               <a:buChar char=""/>
             </a:pPr>
             <a:r>
-              <a:rPr b="0" lang="en-IN" sz="3200" spc="-1" strike="noStrike">
+              <a:rPr b="0" lang="en-IN" sz="2000" spc="-1" strike="noStrike">
                 <a:solidFill>
                   <a:srgbClr val="000000"/>
                 </a:solidFill>
@@ -1642,10 +3201,31 @@
                 </a:uFill>
                 <a:latin typeface="Arial"/>
               </a:rPr>
-              <a:t>Click to edit </a:t>
+              <a:t>Fifth Outline Level</a:t>
             </a:r>
+            <a:endParaRPr b="0" lang="en-IN" sz="2000" spc="-1" strike="noStrike">
+              <a:solidFill>
+                <a:srgbClr val="000000"/>
+              </a:solidFill>
+              <a:uFill>
+                <a:solidFill>
+                  <a:srgbClr val="ffffff"/>
+                </a:solidFill>
+              </a:uFill>
+              <a:latin typeface="Arial"/>
+            </a:endParaRPr>
+          </a:p>
+          <a:p>
+            <a:pPr lvl="5" marL="2592000" indent="-216000">
+              <a:buClr>
+                <a:srgbClr val="000000"/>
+              </a:buClr>
+              <a:buSzPct val="45000"/>
+              <a:buFont typeface="Wingdings" charset="2"/>
+              <a:buChar char=""/>
+            </a:pPr>
             <a:r>
-              <a:rPr b="0" lang="en-IN" sz="3200" spc="-1" strike="noStrike">
+              <a:rPr b="0" lang="en-IN" sz="2000" spc="-1" strike="noStrike">
                 <a:solidFill>
                   <a:srgbClr val="000000"/>
                 </a:solidFill>
@@ -1656,10 +3236,31 @@
                 </a:uFill>
                 <a:latin typeface="Arial"/>
               </a:rPr>
-              <a:t>the outline </a:t>
+              <a:t>Sixth Outline Level</a:t>
             </a:r>
+            <a:endParaRPr b="0" lang="en-IN" sz="2000" spc="-1" strike="noStrike">
+              <a:solidFill>
+                <a:srgbClr val="000000"/>
+              </a:solidFill>
+              <a:uFill>
+                <a:solidFill>
+                  <a:srgbClr val="ffffff"/>
+                </a:solidFill>
+              </a:uFill>
+              <a:latin typeface="Arial"/>
+            </a:endParaRPr>
+          </a:p>
+          <a:p>
+            <a:pPr lvl="6" marL="3024000" indent="-216000">
+              <a:buClr>
+                <a:srgbClr val="000000"/>
+              </a:buClr>
+              <a:buSzPct val="45000"/>
+              <a:buFont typeface="Wingdings" charset="2"/>
+              <a:buChar char=""/>
+            </a:pPr>
             <a:r>
-              <a:rPr b="0" lang="en-IN" sz="3200" spc="-1" strike="noStrike">
+              <a:rPr b="0" lang="en-IN" sz="2000" spc="-1" strike="noStrike">
                 <a:solidFill>
                   <a:srgbClr val="000000"/>
                 </a:solidFill>
@@ -1670,196 +3271,7 @@
                 </a:uFill>
                 <a:latin typeface="Arial"/>
               </a:rPr>
-              <a:t>text format</a:t>
-            </a:r>
-            <a:endParaRPr b="0" lang="en-IN" sz="3200" spc="-1" strike="noStrike">
-              <a:solidFill>
-                <a:srgbClr val="000000"/>
-              </a:solidFill>
-              <a:uFill>
-                <a:solidFill>
-                  <a:srgbClr val="ffffff"/>
-                </a:solidFill>
-              </a:uFill>
-              <a:latin typeface="Arial"/>
-            </a:endParaRPr>
-          </a:p>
-          <a:p>
-            <a:pPr lvl="1" marL="864000" indent="-324000">
-              <a:buClr>
-                <a:srgbClr val="000000"/>
-              </a:buClr>
-              <a:buSzPct val="75000"/>
-              <a:buFont typeface="Symbol" charset="2"/>
-              <a:buChar char=""/>
-            </a:pPr>
-            <a:r>
-              <a:rPr b="0" lang="en-IN" sz="2800" spc="-1" strike="noStrike">
-                <a:solidFill>
-                  <a:srgbClr val="000000"/>
-                </a:solidFill>
-                <a:uFill>
-                  <a:solidFill>
-                    <a:srgbClr val="ffffff"/>
-                  </a:solidFill>
-                </a:uFill>
-                <a:latin typeface="Arial"/>
-              </a:rPr>
-              <a:t>Second </a:t>
-            </a:r>
-            <a:r>
-              <a:rPr b="0" lang="en-IN" sz="2800" spc="-1" strike="noStrike">
-                <a:solidFill>
-                  <a:srgbClr val="000000"/>
-                </a:solidFill>
-                <a:uFill>
-                  <a:solidFill>
-                    <a:srgbClr val="ffffff"/>
-                  </a:solidFill>
-                </a:uFill>
-                <a:latin typeface="Arial"/>
-              </a:rPr>
-              <a:t>Outline </a:t>
-            </a:r>
-            <a:r>
-              <a:rPr b="0" lang="en-IN" sz="2800" spc="-1" strike="noStrike">
-                <a:solidFill>
-                  <a:srgbClr val="000000"/>
-                </a:solidFill>
-                <a:uFill>
-                  <a:solidFill>
-                    <a:srgbClr val="ffffff"/>
-                  </a:solidFill>
-                </a:uFill>
-                <a:latin typeface="Arial"/>
-              </a:rPr>
-              <a:t>Level</a:t>
-            </a:r>
-            <a:endParaRPr b="0" lang="en-IN" sz="2800" spc="-1" strike="noStrike">
-              <a:solidFill>
-                <a:srgbClr val="000000"/>
-              </a:solidFill>
-              <a:uFill>
-                <a:solidFill>
-                  <a:srgbClr val="ffffff"/>
-                </a:solidFill>
-              </a:uFill>
-              <a:latin typeface="Arial"/>
-            </a:endParaRPr>
-          </a:p>
-          <a:p>
-            <a:pPr lvl="2" marL="1296000" indent="-288000">
-              <a:buClr>
-                <a:srgbClr val="000000"/>
-              </a:buClr>
-              <a:buSzPct val="45000"/>
-              <a:buFont typeface="Wingdings" charset="2"/>
-              <a:buChar char=""/>
-            </a:pPr>
-            <a:r>
-              <a:rPr b="0" lang="en-IN" sz="2400" spc="-1" strike="noStrike">
-                <a:solidFill>
-                  <a:srgbClr val="000000"/>
-                </a:solidFill>
-                <a:uFill>
-                  <a:solidFill>
-                    <a:srgbClr val="ffffff"/>
-                  </a:solidFill>
-                </a:uFill>
-                <a:latin typeface="Arial"/>
-              </a:rPr>
-              <a:t>Third </a:t>
-            </a:r>
-            <a:r>
-              <a:rPr b="0" lang="en-IN" sz="2400" spc="-1" strike="noStrike">
-                <a:solidFill>
-                  <a:srgbClr val="000000"/>
-                </a:solidFill>
-                <a:uFill>
-                  <a:solidFill>
-                    <a:srgbClr val="ffffff"/>
-                  </a:solidFill>
-                </a:uFill>
-                <a:latin typeface="Arial"/>
-              </a:rPr>
-              <a:t>Outline </a:t>
-            </a:r>
-            <a:r>
-              <a:rPr b="0" lang="en-IN" sz="2400" spc="-1" strike="noStrike">
-                <a:solidFill>
-                  <a:srgbClr val="000000"/>
-                </a:solidFill>
-                <a:uFill>
-                  <a:solidFill>
-                    <a:srgbClr val="ffffff"/>
-                  </a:solidFill>
-                </a:uFill>
-                <a:latin typeface="Arial"/>
-              </a:rPr>
-              <a:t>Level</a:t>
-            </a:r>
-            <a:endParaRPr b="0" lang="en-IN" sz="2400" spc="-1" strike="noStrike">
-              <a:solidFill>
-                <a:srgbClr val="000000"/>
-              </a:solidFill>
-              <a:uFill>
-                <a:solidFill>
-                  <a:srgbClr val="ffffff"/>
-                </a:solidFill>
-              </a:uFill>
-              <a:latin typeface="Arial"/>
-            </a:endParaRPr>
-          </a:p>
-          <a:p>
-            <a:pPr lvl="3" marL="1728000" indent="-216000">
-              <a:buClr>
-                <a:srgbClr val="000000"/>
-              </a:buClr>
-              <a:buSzPct val="75000"/>
-              <a:buFont typeface="Symbol" charset="2"/>
-              <a:buChar char=""/>
-            </a:pPr>
-            <a:r>
-              <a:rPr b="0" lang="en-IN" sz="2000" spc="-1" strike="noStrike">
-                <a:solidFill>
-                  <a:srgbClr val="000000"/>
-                </a:solidFill>
-                <a:uFill>
-                  <a:solidFill>
-                    <a:srgbClr val="ffffff"/>
-                  </a:solidFill>
-                </a:uFill>
-                <a:latin typeface="Arial"/>
-              </a:rPr>
-              <a:t>Fourth </a:t>
-            </a:r>
-            <a:r>
-              <a:rPr b="0" lang="en-IN" sz="2000" spc="-1" strike="noStrike">
-                <a:solidFill>
-                  <a:srgbClr val="000000"/>
-                </a:solidFill>
-                <a:uFill>
-                  <a:solidFill>
-                    <a:srgbClr val="ffffff"/>
-                  </a:solidFill>
-                </a:uFill>
-                <a:latin typeface="Arial"/>
-              </a:rPr>
-              <a:t>Outline </a:t>
-            </a:r>
-            <a:r>
-              <a:rPr b="0" lang="en-IN" sz="2000" spc="-1" strike="noStrike">
-                <a:solidFill>
-                  <a:srgbClr val="000000"/>
-                </a:solidFill>
-                <a:uFill>
-                  <a:solidFill>
-                    <a:srgbClr val="ffffff"/>
-                  </a:solidFill>
-                </a:uFill>
-                <a:latin typeface="Arial"/>
-              </a:rPr>
-              <a:t>Level</a:t>
+              <a:t>Seventh Outline Level</a:t>
             </a:r>
             <a:endParaRPr b="0" lang="en-IN" sz="2000" spc="-1" strike="noStrike">
               <a:solidFill>
@@ -1871,809 +3283,6 @@
                 </a:solidFill>
               </a:uFill>
               <a:latin typeface="Arial"/>
-            </a:endParaRPr>
-          </a:p>
-          <a:p>
-            <a:pPr lvl="4" marL="2160000" indent="-216000">
-              <a:buClr>
-                <a:srgbClr val="000000"/>
-              </a:buClr>
-              <a:buSzPct val="45000"/>
-              <a:buFont typeface="Wingdings" charset="2"/>
-              <a:buChar char=""/>
-            </a:pPr>
-            <a:r>
-              <a:rPr b="0" lang="en-IN" sz="2000" spc="-1" strike="noStrike">
-                <a:solidFill>
-                  <a:srgbClr val="000000"/>
-                </a:solidFill>
-                <a:uFill>
-                  <a:solidFill>
-                    <a:srgbClr val="ffffff"/>
-                  </a:solidFill>
-                </a:uFill>
-                <a:latin typeface="Arial"/>
-              </a:rPr>
-              <a:t>Fifth </a:t>
-            </a:r>
-            <a:r>
-              <a:rPr b="0" lang="en-IN" sz="2000" spc="-1" strike="noStrike">
-                <a:solidFill>
-                  <a:srgbClr val="000000"/>
-                </a:solidFill>
-                <a:uFill>
-                  <a:solidFill>
-                    <a:srgbClr val="ffffff"/>
-                  </a:solidFill>
-                </a:uFill>
-                <a:latin typeface="Arial"/>
-              </a:rPr>
-              <a:t>Outli</a:t>
-            </a:r>
-            <a:r>
-              <a:rPr b="0" lang="en-IN" sz="2000" spc="-1" strike="noStrike">
-                <a:solidFill>
-                  <a:srgbClr val="000000"/>
-                </a:solidFill>
-                <a:uFill>
-                  <a:solidFill>
-                    <a:srgbClr val="ffffff"/>
-                  </a:solidFill>
-                </a:uFill>
-                <a:latin typeface="Arial"/>
-              </a:rPr>
-              <a:t>ne </a:t>
-            </a:r>
-            <a:r>
-              <a:rPr b="0" lang="en-IN" sz="2000" spc="-1" strike="noStrike">
-                <a:solidFill>
-                  <a:srgbClr val="000000"/>
-                </a:solidFill>
-                <a:uFill>
-                  <a:solidFill>
-                    <a:srgbClr val="ffffff"/>
-                  </a:solidFill>
-                </a:uFill>
-                <a:latin typeface="Arial"/>
-              </a:rPr>
-              <a:t>Leve</a:t>
-            </a:r>
-            <a:r>
-              <a:rPr b="0" lang="en-IN" sz="2000" spc="-1" strike="noStrike">
-                <a:solidFill>
-                  <a:srgbClr val="000000"/>
-                </a:solidFill>
-                <a:uFill>
-                  <a:solidFill>
-                    <a:srgbClr val="ffffff"/>
-                  </a:solidFill>
-                </a:uFill>
-                <a:latin typeface="Arial"/>
-              </a:rPr>
-              <a:t>l</a:t>
-            </a:r>
-            <a:endParaRPr b="0" lang="en-IN" sz="2000" spc="-1" strike="noStrike">
-              <a:solidFill>
-                <a:srgbClr val="000000"/>
-              </a:solidFill>
-              <a:uFill>
-                <a:solidFill>
-                  <a:srgbClr val="ffffff"/>
-                </a:solidFill>
-              </a:uFill>
-              <a:latin typeface="Arial"/>
-            </a:endParaRPr>
-          </a:p>
-          <a:p>
-            <a:pPr lvl="5" marL="2592000" indent="-216000">
-              <a:buClr>
-                <a:srgbClr val="000000"/>
-              </a:buClr>
-              <a:buSzPct val="45000"/>
-              <a:buFont typeface="Wingdings" charset="2"/>
-              <a:buChar char=""/>
-            </a:pPr>
-            <a:r>
-              <a:rPr b="0" lang="en-IN" sz="2000" spc="-1" strike="noStrike">
-                <a:solidFill>
-                  <a:srgbClr val="000000"/>
-                </a:solidFill>
-                <a:uFill>
-                  <a:solidFill>
-                    <a:srgbClr val="ffffff"/>
-                  </a:solidFill>
-                </a:uFill>
-                <a:latin typeface="Arial"/>
-              </a:rPr>
-              <a:t>S</a:t>
-            </a:r>
-            <a:r>
-              <a:rPr b="0" lang="en-IN" sz="2000" spc="-1" strike="noStrike">
-                <a:solidFill>
-                  <a:srgbClr val="000000"/>
-                </a:solidFill>
-                <a:uFill>
-                  <a:solidFill>
-                    <a:srgbClr val="ffffff"/>
-                  </a:solidFill>
-                </a:uFill>
-                <a:latin typeface="Arial"/>
-              </a:rPr>
-              <a:t>i</a:t>
-            </a:r>
-            <a:r>
-              <a:rPr b="0" lang="en-IN" sz="2000" spc="-1" strike="noStrike">
-                <a:solidFill>
-                  <a:srgbClr val="000000"/>
-                </a:solidFill>
-                <a:uFill>
-                  <a:solidFill>
-                    <a:srgbClr val="ffffff"/>
-                  </a:solidFill>
-                </a:uFill>
-                <a:latin typeface="Arial"/>
-              </a:rPr>
-              <a:t>x</a:t>
-            </a:r>
-            <a:r>
-              <a:rPr b="0" lang="en-IN" sz="2000" spc="-1" strike="noStrike">
-                <a:solidFill>
-                  <a:srgbClr val="000000"/>
-                </a:solidFill>
-                <a:uFill>
-                  <a:solidFill>
-                    <a:srgbClr val="ffffff"/>
-                  </a:solidFill>
-                </a:uFill>
-                <a:latin typeface="Arial"/>
-              </a:rPr>
-              <a:t>t</a:t>
-            </a:r>
-            <a:r>
-              <a:rPr b="0" lang="en-IN" sz="2000" spc="-1" strike="noStrike">
-                <a:solidFill>
-                  <a:srgbClr val="000000"/>
-                </a:solidFill>
-                <a:uFill>
-                  <a:solidFill>
-                    <a:srgbClr val="ffffff"/>
-                  </a:solidFill>
-                </a:uFill>
-                <a:latin typeface="Arial"/>
-              </a:rPr>
-              <a:t>h </a:t>
-            </a:r>
-            <a:r>
-              <a:rPr b="0" lang="en-IN" sz="2000" spc="-1" strike="noStrike">
-                <a:solidFill>
-                  <a:srgbClr val="000000"/>
-                </a:solidFill>
-                <a:uFill>
-                  <a:solidFill>
-                    <a:srgbClr val="ffffff"/>
-                  </a:solidFill>
-                </a:uFill>
-                <a:latin typeface="Arial"/>
-              </a:rPr>
-              <a:t>O</a:t>
-            </a:r>
-            <a:r>
-              <a:rPr b="0" lang="en-IN" sz="2000" spc="-1" strike="noStrike">
-                <a:solidFill>
-                  <a:srgbClr val="000000"/>
-                </a:solidFill>
-                <a:uFill>
-                  <a:solidFill>
-                    <a:srgbClr val="ffffff"/>
-                  </a:solidFill>
-                </a:uFill>
-                <a:latin typeface="Arial"/>
-              </a:rPr>
-              <a:t>u</a:t>
-            </a:r>
-            <a:r>
-              <a:rPr b="0" lang="en-IN" sz="2000" spc="-1" strike="noStrike">
-                <a:solidFill>
-                  <a:srgbClr val="000000"/>
-                </a:solidFill>
-                <a:uFill>
-                  <a:solidFill>
-                    <a:srgbClr val="ffffff"/>
-                  </a:solidFill>
-                </a:uFill>
-                <a:latin typeface="Arial"/>
-              </a:rPr>
-              <a:t>tl</a:t>
-            </a:r>
-            <a:r>
-              <a:rPr b="0" lang="en-IN" sz="2000" spc="-1" strike="noStrike">
-                <a:solidFill>
-                  <a:srgbClr val="000000"/>
-                </a:solidFill>
-                <a:uFill>
-                  <a:solidFill>
-                    <a:srgbClr val="ffffff"/>
-                  </a:solidFill>
-                </a:uFill>
-                <a:latin typeface="Arial"/>
-              </a:rPr>
-              <a:t>i</a:t>
-            </a:r>
-            <a:r>
-              <a:rPr b="0" lang="en-IN" sz="2000" spc="-1" strike="noStrike">
-                <a:solidFill>
-                  <a:srgbClr val="000000"/>
-                </a:solidFill>
-                <a:uFill>
-                  <a:solidFill>
-                    <a:srgbClr val="ffffff"/>
-                  </a:solidFill>
-                </a:uFill>
-                <a:latin typeface="Arial"/>
-              </a:rPr>
-              <a:t>n</a:t>
-            </a:r>
-            <a:r>
-              <a:rPr b="0" lang="en-IN" sz="2000" spc="-1" strike="noStrike">
-                <a:solidFill>
-                  <a:srgbClr val="000000"/>
-                </a:solidFill>
-                <a:uFill>
-                  <a:solidFill>
-                    <a:srgbClr val="ffffff"/>
-                  </a:solidFill>
-                </a:uFill>
-                <a:latin typeface="Arial"/>
-              </a:rPr>
-              <a:t>e </a:t>
-            </a:r>
-            <a:r>
-              <a:rPr b="0" lang="en-IN" sz="2000" spc="-1" strike="noStrike">
-                <a:solidFill>
-                  <a:srgbClr val="000000"/>
-                </a:solidFill>
-                <a:uFill>
-                  <a:solidFill>
-                    <a:srgbClr val="ffffff"/>
-                  </a:solidFill>
-                </a:uFill>
-                <a:latin typeface="Arial"/>
-              </a:rPr>
-              <a:t>L</a:t>
-            </a:r>
-            <a:r>
-              <a:rPr b="0" lang="en-IN" sz="2000" spc="-1" strike="noStrike">
-                <a:solidFill>
-                  <a:srgbClr val="000000"/>
-                </a:solidFill>
-                <a:uFill>
-                  <a:solidFill>
-                    <a:srgbClr val="ffffff"/>
-                  </a:solidFill>
-                </a:uFill>
-                <a:latin typeface="Arial"/>
-              </a:rPr>
-              <a:t>e</a:t>
-            </a:r>
-            <a:r>
-              <a:rPr b="0" lang="en-IN" sz="2000" spc="-1" strike="noStrike">
-                <a:solidFill>
-                  <a:srgbClr val="000000"/>
-                </a:solidFill>
-                <a:uFill>
-                  <a:solidFill>
-                    <a:srgbClr val="ffffff"/>
-                  </a:solidFill>
-                </a:uFill>
-                <a:latin typeface="Arial"/>
-              </a:rPr>
-              <a:t>v</a:t>
-            </a:r>
-            <a:r>
-              <a:rPr b="0" lang="en-IN" sz="2000" spc="-1" strike="noStrike">
-                <a:solidFill>
-                  <a:srgbClr val="000000"/>
-                </a:solidFill>
-                <a:uFill>
-                  <a:solidFill>
-                    <a:srgbClr val="ffffff"/>
-                  </a:solidFill>
-                </a:uFill>
-                <a:latin typeface="Arial"/>
-              </a:rPr>
-              <a:t>e</a:t>
-            </a:r>
-            <a:r>
-              <a:rPr b="0" lang="en-IN" sz="2000" spc="-1" strike="noStrike">
-                <a:solidFill>
-                  <a:srgbClr val="000000"/>
-                </a:solidFill>
-                <a:uFill>
-                  <a:solidFill>
-                    <a:srgbClr val="ffffff"/>
-                  </a:solidFill>
-                </a:uFill>
-                <a:latin typeface="Arial"/>
-              </a:rPr>
-              <a:t>l</a:t>
-            </a:r>
-            <a:endParaRPr b="0" lang="en-IN" sz="2000" spc="-1" strike="noStrike">
-              <a:solidFill>
-                <a:srgbClr val="000000"/>
-              </a:solidFill>
-              <a:uFill>
-                <a:solidFill>
-                  <a:srgbClr val="ffffff"/>
-                </a:solidFill>
-              </a:uFill>
-              <a:latin typeface="Arial"/>
-            </a:endParaRPr>
-          </a:p>
-          <a:p>
-            <a:pPr lvl="6" marL="3024000" indent="-216000">
-              <a:buClr>
-                <a:srgbClr val="000000"/>
-              </a:buClr>
-              <a:buSzPct val="45000"/>
-              <a:buFont typeface="Wingdings" charset="2"/>
-              <a:buChar char=""/>
-            </a:pPr>
-            <a:r>
-              <a:rPr b="0" lang="en-IN" sz="2000" spc="-1" strike="noStrike">
-                <a:solidFill>
-                  <a:srgbClr val="000000"/>
-                </a:solidFill>
-                <a:uFill>
-                  <a:solidFill>
-                    <a:srgbClr val="ffffff"/>
-                  </a:solidFill>
-                </a:uFill>
-                <a:latin typeface="Arial"/>
-              </a:rPr>
-              <a:t>S</a:t>
-            </a:r>
-            <a:r>
-              <a:rPr b="0" lang="en-IN" sz="2000" spc="-1" strike="noStrike">
-                <a:solidFill>
-                  <a:srgbClr val="000000"/>
-                </a:solidFill>
-                <a:uFill>
-                  <a:solidFill>
-                    <a:srgbClr val="ffffff"/>
-                  </a:solidFill>
-                </a:uFill>
-                <a:latin typeface="Arial"/>
-              </a:rPr>
-              <a:t>e</a:t>
-            </a:r>
-            <a:r>
-              <a:rPr b="0" lang="en-IN" sz="2000" spc="-1" strike="noStrike">
-                <a:solidFill>
-                  <a:srgbClr val="000000"/>
-                </a:solidFill>
-                <a:uFill>
-                  <a:solidFill>
-                    <a:srgbClr val="ffffff"/>
-                  </a:solidFill>
-                </a:uFill>
-                <a:latin typeface="Arial"/>
-              </a:rPr>
-              <a:t>v</a:t>
-            </a:r>
-            <a:r>
-              <a:rPr b="0" lang="en-IN" sz="2000" spc="-1" strike="noStrike">
-                <a:solidFill>
-                  <a:srgbClr val="000000"/>
-                </a:solidFill>
-                <a:uFill>
-                  <a:solidFill>
-                    <a:srgbClr val="ffffff"/>
-                  </a:solidFill>
-                </a:uFill>
-                <a:latin typeface="Arial"/>
-              </a:rPr>
-              <a:t>e</a:t>
-            </a:r>
-            <a:r>
-              <a:rPr b="0" lang="en-IN" sz="2000" spc="-1" strike="noStrike">
-                <a:solidFill>
-                  <a:srgbClr val="000000"/>
-                </a:solidFill>
-                <a:uFill>
-                  <a:solidFill>
-                    <a:srgbClr val="ffffff"/>
-                  </a:solidFill>
-                </a:uFill>
-                <a:latin typeface="Arial"/>
-              </a:rPr>
-              <a:t>n</a:t>
-            </a:r>
-            <a:r>
-              <a:rPr b="0" lang="en-IN" sz="2000" spc="-1" strike="noStrike">
-                <a:solidFill>
-                  <a:srgbClr val="000000"/>
-                </a:solidFill>
-                <a:uFill>
-                  <a:solidFill>
-                    <a:srgbClr val="ffffff"/>
-                  </a:solidFill>
-                </a:uFill>
-                <a:latin typeface="Arial"/>
-              </a:rPr>
-              <a:t>t</a:t>
-            </a:r>
-            <a:r>
-              <a:rPr b="0" lang="en-IN" sz="2000" spc="-1" strike="noStrike">
-                <a:solidFill>
-                  <a:srgbClr val="000000"/>
-                </a:solidFill>
-                <a:uFill>
-                  <a:solidFill>
-                    <a:srgbClr val="ffffff"/>
-                  </a:solidFill>
-                </a:uFill>
-                <a:latin typeface="Arial"/>
-              </a:rPr>
-              <a:t>h</a:t>
-            </a:r>
-            <a:r>
-              <a:rPr b="0" lang="en-IN" sz="2000" spc="-1" strike="noStrike">
-                <a:solidFill>
-                  <a:srgbClr val="000000"/>
-                </a:solidFill>
-                <a:uFill>
-                  <a:solidFill>
-                    <a:srgbClr val="ffffff"/>
-                  </a:solidFill>
-                </a:uFill>
-                <a:latin typeface="Arial"/>
-              </a:rPr>
-              <a:t> </a:t>
-            </a:r>
-            <a:r>
-              <a:rPr b="0" lang="en-IN" sz="2000" spc="-1" strike="noStrike">
-                <a:solidFill>
-                  <a:srgbClr val="000000"/>
-                </a:solidFill>
-                <a:uFill>
-                  <a:solidFill>
-                    <a:srgbClr val="ffffff"/>
-                  </a:solidFill>
-                </a:uFill>
-                <a:latin typeface="Arial"/>
-              </a:rPr>
-              <a:t>O</a:t>
-            </a:r>
-            <a:r>
-              <a:rPr b="0" lang="en-IN" sz="2000" spc="-1" strike="noStrike">
-                <a:solidFill>
-                  <a:srgbClr val="000000"/>
-                </a:solidFill>
-                <a:uFill>
-                  <a:solidFill>
-                    <a:srgbClr val="ffffff"/>
-                  </a:solidFill>
-                </a:uFill>
-                <a:latin typeface="Arial"/>
-              </a:rPr>
-              <a:t>u</a:t>
-            </a:r>
-            <a:r>
-              <a:rPr b="0" lang="en-IN" sz="2000" spc="-1" strike="noStrike">
-                <a:solidFill>
-                  <a:srgbClr val="000000"/>
-                </a:solidFill>
-                <a:uFill>
-                  <a:solidFill>
-                    <a:srgbClr val="ffffff"/>
-                  </a:solidFill>
-                </a:uFill>
-                <a:latin typeface="Arial"/>
-              </a:rPr>
-              <a:t>t</a:t>
-            </a:r>
-            <a:r>
-              <a:rPr b="0" lang="en-IN" sz="2000" spc="-1" strike="noStrike">
-                <a:solidFill>
-                  <a:srgbClr val="000000"/>
-                </a:solidFill>
-                <a:uFill>
-                  <a:solidFill>
-                    <a:srgbClr val="ffffff"/>
-                  </a:solidFill>
-                </a:uFill>
-                <a:latin typeface="Arial"/>
-              </a:rPr>
-              <a:t>l</a:t>
-            </a:r>
-            <a:r>
-              <a:rPr b="0" lang="en-IN" sz="2000" spc="-1" strike="noStrike">
-                <a:solidFill>
-                  <a:srgbClr val="000000"/>
-                </a:solidFill>
-                <a:uFill>
-                  <a:solidFill>
-                    <a:srgbClr val="ffffff"/>
-                  </a:solidFill>
-                </a:uFill>
-                <a:latin typeface="Arial"/>
-              </a:rPr>
-              <a:t>i</a:t>
-            </a:r>
-            <a:r>
-              <a:rPr b="0" lang="en-IN" sz="2000" spc="-1" strike="noStrike">
-                <a:solidFill>
-                  <a:srgbClr val="000000"/>
-                </a:solidFill>
-                <a:uFill>
-                  <a:solidFill>
-                    <a:srgbClr val="ffffff"/>
-                  </a:solidFill>
-                </a:uFill>
-                <a:latin typeface="Arial"/>
-              </a:rPr>
-              <a:t>n</a:t>
-            </a:r>
-            <a:r>
-              <a:rPr b="0" lang="en-IN" sz="2000" spc="-1" strike="noStrike">
-                <a:solidFill>
-                  <a:srgbClr val="000000"/>
-                </a:solidFill>
-                <a:uFill>
-                  <a:solidFill>
-                    <a:srgbClr val="ffffff"/>
-                  </a:solidFill>
-                </a:uFill>
-                <a:latin typeface="Arial"/>
-              </a:rPr>
-              <a:t>e</a:t>
-            </a:r>
-            <a:r>
-              <a:rPr b="0" lang="en-IN" sz="2000" spc="-1" strike="noStrike">
-                <a:solidFill>
-                  <a:srgbClr val="000000"/>
-                </a:solidFill>
-                <a:uFill>
-                  <a:solidFill>
-                    <a:srgbClr val="ffffff"/>
-                  </a:solidFill>
-                </a:uFill>
-                <a:latin typeface="Arial"/>
-              </a:rPr>
-              <a:t> </a:t>
-            </a:r>
-            <a:r>
-              <a:rPr b="0" lang="en-IN" sz="2000" spc="-1" strike="noStrike">
-                <a:solidFill>
-                  <a:srgbClr val="000000"/>
-                </a:solidFill>
-                <a:uFill>
-                  <a:solidFill>
-                    <a:srgbClr val="ffffff"/>
-                  </a:solidFill>
-                </a:uFill>
-                <a:latin typeface="Arial"/>
-              </a:rPr>
-              <a:t>L</a:t>
-            </a:r>
-            <a:r>
-              <a:rPr b="0" lang="en-IN" sz="2000" spc="-1" strike="noStrike">
-                <a:solidFill>
-                  <a:srgbClr val="000000"/>
-                </a:solidFill>
-                <a:uFill>
-                  <a:solidFill>
-                    <a:srgbClr val="ffffff"/>
-                  </a:solidFill>
-                </a:uFill>
-                <a:latin typeface="Arial"/>
-              </a:rPr>
-              <a:t>e</a:t>
-            </a:r>
-            <a:r>
-              <a:rPr b="0" lang="en-IN" sz="2000" spc="-1" strike="noStrike">
-                <a:solidFill>
-                  <a:srgbClr val="000000"/>
-                </a:solidFill>
-                <a:uFill>
-                  <a:solidFill>
-                    <a:srgbClr val="ffffff"/>
-                  </a:solidFill>
-                </a:uFill>
-                <a:latin typeface="Arial"/>
-              </a:rPr>
-              <a:t>v</a:t>
-            </a:r>
-            <a:r>
-              <a:rPr b="0" lang="en-IN" sz="2000" spc="-1" strike="noStrike">
-                <a:solidFill>
-                  <a:srgbClr val="000000"/>
-                </a:solidFill>
-                <a:uFill>
-                  <a:solidFill>
-                    <a:srgbClr val="ffffff"/>
-                  </a:solidFill>
-                </a:uFill>
-                <a:latin typeface="Arial"/>
-              </a:rPr>
-              <a:t>e</a:t>
-            </a:r>
-            <a:r>
-              <a:rPr b="0" lang="en-IN" sz="2000" spc="-1" strike="noStrike">
-                <a:solidFill>
-                  <a:srgbClr val="000000"/>
-                </a:solidFill>
-                <a:uFill>
-                  <a:solidFill>
-                    <a:srgbClr val="ffffff"/>
-                  </a:solidFill>
-                </a:uFill>
-                <a:latin typeface="Arial"/>
-              </a:rPr>
-              <a:t>l</a:t>
-            </a:r>
-            <a:endParaRPr b="0" lang="en-IN" sz="2000" spc="-1" strike="noStrike">
-              <a:solidFill>
-                <a:srgbClr val="000000"/>
-              </a:solidFill>
-              <a:uFill>
-                <a:solidFill>
-                  <a:srgbClr val="ffffff"/>
-                </a:solidFill>
-              </a:uFill>
-              <a:latin typeface="Arial"/>
-            </a:endParaRPr>
-          </a:p>
-        </p:txBody>
-      </p:sp>
-      <p:sp>
-        <p:nvSpPr>
-          <p:cNvPr id="2" name="PlaceHolder 3"/>
-          <p:cNvSpPr>
-            <a:spLocks noGrp="1"/>
-          </p:cNvSpPr>
-          <p:nvPr>
-            <p:ph type="dt"/>
-          </p:nvPr>
-        </p:nvSpPr>
-        <p:spPr>
-          <a:xfrm>
-            <a:off x="504000" y="6887160"/>
-            <a:ext cx="2348280" cy="521280"/>
-          </a:xfrm>
-          <a:prstGeom prst="rect">
-            <a:avLst/>
-          </a:prstGeom>
-        </p:spPr>
-        <p:txBody>
-          <a:bodyPr lIns="0" rIns="0" tIns="0" bIns="0"/>
-          <a:p>
-            <a:r>
-              <a:rPr b="0" lang="en-IN" sz="1400" spc="-1" strike="noStrike">
-                <a:solidFill>
-                  <a:srgbClr val="000000"/>
-                </a:solidFill>
-                <a:uFill>
-                  <a:solidFill>
-                    <a:srgbClr val="ffffff"/>
-                  </a:solidFill>
-                </a:uFill>
-                <a:latin typeface="Times New Roman"/>
-              </a:rPr>
-              <a:t>&lt;date/time&gt;</a:t>
-            </a:r>
-            <a:endParaRPr b="0" lang="en-IN" sz="1400" spc="-1" strike="noStrike">
-              <a:solidFill>
-                <a:srgbClr val="000000"/>
-              </a:solidFill>
-              <a:uFill>
-                <a:solidFill>
-                  <a:srgbClr val="ffffff"/>
-                </a:solidFill>
-              </a:uFill>
-              <a:latin typeface="Times New Roman"/>
-            </a:endParaRPr>
-          </a:p>
-        </p:txBody>
-      </p:sp>
-      <p:sp>
-        <p:nvSpPr>
-          <p:cNvPr id="3" name="PlaceHolder 4"/>
-          <p:cNvSpPr>
-            <a:spLocks noGrp="1"/>
-          </p:cNvSpPr>
-          <p:nvPr>
-            <p:ph type="ftr"/>
-          </p:nvPr>
-        </p:nvSpPr>
-        <p:spPr>
-          <a:xfrm>
-            <a:off x="3447360" y="6887160"/>
-            <a:ext cx="3195000" cy="521280"/>
-          </a:xfrm>
-          <a:prstGeom prst="rect">
-            <a:avLst/>
-          </a:prstGeom>
-        </p:spPr>
-        <p:txBody>
-          <a:bodyPr lIns="0" rIns="0" tIns="0" bIns="0"/>
-          <a:p>
-            <a:pPr algn="ctr"/>
-            <a:r>
-              <a:rPr b="0" lang="en-IN" sz="1400" spc="-1" strike="noStrike">
-                <a:solidFill>
-                  <a:srgbClr val="000000"/>
-                </a:solidFill>
-                <a:uFill>
-                  <a:solidFill>
-                    <a:srgbClr val="ffffff"/>
-                  </a:solidFill>
-                </a:uFill>
-                <a:latin typeface="Times New Roman"/>
-              </a:rPr>
-              <a:t>&lt;footer&gt;</a:t>
-            </a:r>
-            <a:endParaRPr b="0" lang="en-IN" sz="1400" spc="-1" strike="noStrike">
-              <a:solidFill>
-                <a:srgbClr val="000000"/>
-              </a:solidFill>
-              <a:uFill>
-                <a:solidFill>
-                  <a:srgbClr val="ffffff"/>
-                </a:solidFill>
-              </a:uFill>
-              <a:latin typeface="Times New Roman"/>
-            </a:endParaRPr>
-          </a:p>
-        </p:txBody>
-      </p:sp>
-      <p:sp>
-        <p:nvSpPr>
-          <p:cNvPr id="4" name="PlaceHolder 5"/>
-          <p:cNvSpPr>
-            <a:spLocks noGrp="1"/>
-          </p:cNvSpPr>
-          <p:nvPr>
-            <p:ph type="sldNum"/>
-          </p:nvPr>
-        </p:nvSpPr>
-        <p:spPr>
-          <a:xfrm>
-            <a:off x="7227360" y="6887160"/>
-            <a:ext cx="2348280" cy="521280"/>
-          </a:xfrm>
-          <a:prstGeom prst="rect">
-            <a:avLst/>
-          </a:prstGeom>
-        </p:spPr>
-        <p:txBody>
-          <a:bodyPr lIns="0" rIns="0" tIns="0" bIns="0"/>
-          <a:p>
-            <a:pPr algn="r"/>
-            <a:fld id="{1758F38B-CC62-490E-9CE6-553662816A07}" type="slidenum">
-              <a:rPr b="0" lang="en-IN" sz="1400" spc="-1" strike="noStrike">
-                <a:solidFill>
-                  <a:srgbClr val="000000"/>
-                </a:solidFill>
-                <a:uFill>
-                  <a:solidFill>
-                    <a:srgbClr val="ffffff"/>
-                  </a:solidFill>
-                </a:uFill>
-                <a:latin typeface="Times New Roman"/>
-              </a:rPr>
-              <a:t>&lt;number&gt;</a:t>
-            </a:fld>
-            <a:endParaRPr b="0" lang="en-IN" sz="1400" spc="-1" strike="noStrike">
-              <a:solidFill>
-                <a:srgbClr val="000000"/>
-              </a:solidFill>
-              <a:uFill>
-                <a:solidFill>
-                  <a:srgbClr val="ffffff"/>
-                </a:solidFill>
-              </a:uFill>
-              <a:latin typeface="Times New Roman"/>
             </a:endParaRPr>
           </a:p>
         </p:txBody>
@@ -2694,6 +3303,362 @@
     <p:sldLayoutId id="2147483658" r:id="rId11"/>
     <p:sldLayoutId id="2147483659" r:id="rId12"/>
     <p:sldLayoutId id="2147483660" r:id="rId13"/>
+  </p:sldLayoutIdLst>
+</p:sldMaster>
+</file>
+
+<file path=ppt/slideMasters/slideMaster2.xml><?xml version="1.0" encoding="utf-8"?>
+<p:sldMaster xmlns:a="http://schemas.openxmlformats.org/drawingml/2006/main" xmlns:p="http://schemas.openxmlformats.org/presentationml/2006/main" xmlns:r="http://schemas.openxmlformats.org/officeDocument/2006/relationships" xmlns:p14="http://schemas.microsoft.com/office/powerpoint/2010/main" xmlns:p15="http://schemas.microsoft.com/office/powerpoint/2012/main" xmlns:mc="http://schemas.openxmlformats.org/markup-compatibility/2006">
+  <p:cSld>
+    <p:spTree>
+      <p:nvGrpSpPr>
+        <p:cNvPr id="1" name=""/>
+        <p:cNvGrpSpPr/>
+        <p:nvPr/>
+      </p:nvGrpSpPr>
+      <p:grpSpPr>
+        <a:xfrm>
+          <a:off x="0" y="0"/>
+          <a:ext cx="0" cy="0"/>
+          <a:chOff x="0" y="0"/>
+          <a:chExt cx="0" cy="0"/>
+        </a:xfrm>
+      </p:grpSpPr>
+      <p:sp>
+        <p:nvSpPr>
+          <p:cNvPr id="36" name="PlaceHolder 1"/>
+          <p:cNvSpPr>
+            <a:spLocks noGrp="1"/>
+          </p:cNvSpPr>
+          <p:nvPr>
+            <p:ph type="title"/>
+          </p:nvPr>
+        </p:nvSpPr>
+        <p:spPr>
+          <a:xfrm>
+            <a:off x="504000" y="301320"/>
+            <a:ext cx="9072000" cy="1261800"/>
+          </a:xfrm>
+          <a:prstGeom prst="rect">
+            <a:avLst/>
+          </a:prstGeom>
+        </p:spPr>
+        <p:txBody>
+          <a:bodyPr lIns="0" rIns="0" tIns="0" bIns="0" anchor="ctr"/>
+          <a:p>
+            <a:pPr algn="ctr"/>
+            <a:r>
+              <a:rPr b="0" lang="en-IN" sz="4400" spc="-1" strike="noStrike">
+                <a:solidFill>
+                  <a:srgbClr val="000000"/>
+                </a:solidFill>
+                <a:uFill>
+                  <a:solidFill>
+                    <a:srgbClr val="ffffff"/>
+                  </a:solidFill>
+                </a:uFill>
+                <a:latin typeface="Arial"/>
+              </a:rPr>
+              <a:t>Click to edit the title text format</a:t>
+            </a:r>
+            <a:endParaRPr b="0" lang="en-IN" sz="4400" spc="-1" strike="noStrike">
+              <a:solidFill>
+                <a:srgbClr val="000000"/>
+              </a:solidFill>
+              <a:uFill>
+                <a:solidFill>
+                  <a:srgbClr val="ffffff"/>
+                </a:solidFill>
+              </a:uFill>
+              <a:latin typeface="Arial"/>
+            </a:endParaRPr>
+          </a:p>
+        </p:txBody>
+      </p:sp>
+      <p:sp>
+        <p:nvSpPr>
+          <p:cNvPr id="37" name="PlaceHolder 2"/>
+          <p:cNvSpPr>
+            <a:spLocks noGrp="1"/>
+          </p:cNvSpPr>
+          <p:nvPr>
+            <p:ph type="body"/>
+          </p:nvPr>
+        </p:nvSpPr>
+        <p:spPr>
+          <a:xfrm>
+            <a:off x="504000" y="1768680"/>
+            <a:ext cx="9072000" cy="4384080"/>
+          </a:xfrm>
+          <a:prstGeom prst="rect">
+            <a:avLst/>
+          </a:prstGeom>
+        </p:spPr>
+        <p:txBody>
+          <a:bodyPr lIns="0" rIns="0" tIns="0" bIns="0"/>
+          <a:p>
+            <a:pPr marL="432000" indent="-324000">
+              <a:buClr>
+                <a:srgbClr val="000000"/>
+              </a:buClr>
+              <a:buSzPct val="45000"/>
+              <a:buFont typeface="Wingdings" charset="2"/>
+              <a:buChar char=""/>
+            </a:pPr>
+            <a:r>
+              <a:rPr b="0" lang="en-IN" sz="3200" spc="-1" strike="noStrike">
+                <a:solidFill>
+                  <a:srgbClr val="000000"/>
+                </a:solidFill>
+                <a:uFill>
+                  <a:solidFill>
+                    <a:srgbClr val="ffffff"/>
+                  </a:solidFill>
+                </a:uFill>
+                <a:latin typeface="Arial"/>
+              </a:rPr>
+              <a:t>Click to edit the outline text format</a:t>
+            </a:r>
+            <a:endParaRPr b="0" lang="en-IN" sz="3200" spc="-1" strike="noStrike">
+              <a:solidFill>
+                <a:srgbClr val="000000"/>
+              </a:solidFill>
+              <a:uFill>
+                <a:solidFill>
+                  <a:srgbClr val="ffffff"/>
+                </a:solidFill>
+              </a:uFill>
+              <a:latin typeface="Arial"/>
+            </a:endParaRPr>
+          </a:p>
+          <a:p>
+            <a:pPr lvl="1" marL="864000" indent="-324000">
+              <a:buClr>
+                <a:srgbClr val="000000"/>
+              </a:buClr>
+              <a:buSzPct val="75000"/>
+              <a:buFont typeface="Symbol" charset="2"/>
+              <a:buChar char=""/>
+            </a:pPr>
+            <a:r>
+              <a:rPr b="0" lang="en-IN" sz="2800" spc="-1" strike="noStrike">
+                <a:solidFill>
+                  <a:srgbClr val="000000"/>
+                </a:solidFill>
+                <a:uFill>
+                  <a:solidFill>
+                    <a:srgbClr val="ffffff"/>
+                  </a:solidFill>
+                </a:uFill>
+                <a:latin typeface="Arial"/>
+              </a:rPr>
+              <a:t>Second Outline Level</a:t>
+            </a:r>
+            <a:endParaRPr b="0" lang="en-IN" sz="2800" spc="-1" strike="noStrike">
+              <a:solidFill>
+                <a:srgbClr val="000000"/>
+              </a:solidFill>
+              <a:uFill>
+                <a:solidFill>
+                  <a:srgbClr val="ffffff"/>
+                </a:solidFill>
+              </a:uFill>
+              <a:latin typeface="Arial"/>
+            </a:endParaRPr>
+          </a:p>
+          <a:p>
+            <a:pPr lvl="2" marL="1296000" indent="-288000">
+              <a:buClr>
+                <a:srgbClr val="000000"/>
+              </a:buClr>
+              <a:buSzPct val="45000"/>
+              <a:buFont typeface="Wingdings" charset="2"/>
+              <a:buChar char=""/>
+            </a:pPr>
+            <a:r>
+              <a:rPr b="0" lang="en-IN" sz="2400" spc="-1" strike="noStrike">
+                <a:solidFill>
+                  <a:srgbClr val="000000"/>
+                </a:solidFill>
+                <a:uFill>
+                  <a:solidFill>
+                    <a:srgbClr val="ffffff"/>
+                  </a:solidFill>
+                </a:uFill>
+                <a:latin typeface="Arial"/>
+              </a:rPr>
+              <a:t>Third Outline Level</a:t>
+            </a:r>
+            <a:endParaRPr b="0" lang="en-IN" sz="2400" spc="-1" strike="noStrike">
+              <a:solidFill>
+                <a:srgbClr val="000000"/>
+              </a:solidFill>
+              <a:uFill>
+                <a:solidFill>
+                  <a:srgbClr val="ffffff"/>
+                </a:solidFill>
+              </a:uFill>
+              <a:latin typeface="Arial"/>
+            </a:endParaRPr>
+          </a:p>
+          <a:p>
+            <a:pPr lvl="3" marL="1728000" indent="-216000">
+              <a:buClr>
+                <a:srgbClr val="000000"/>
+              </a:buClr>
+              <a:buSzPct val="75000"/>
+              <a:buFont typeface="Symbol" charset="2"/>
+              <a:buChar char=""/>
+            </a:pPr>
+            <a:r>
+              <a:rPr b="0" lang="en-IN" sz="2000" spc="-1" strike="noStrike">
+                <a:solidFill>
+                  <a:srgbClr val="000000"/>
+                </a:solidFill>
+                <a:uFill>
+                  <a:solidFill>
+                    <a:srgbClr val="ffffff"/>
+                  </a:solidFill>
+                </a:uFill>
+                <a:latin typeface="Arial"/>
+              </a:rPr>
+              <a:t>Fourth Outline Level</a:t>
+            </a:r>
+            <a:endParaRPr b="0" lang="en-IN" sz="2000" spc="-1" strike="noStrike">
+              <a:solidFill>
+                <a:srgbClr val="000000"/>
+              </a:solidFill>
+              <a:uFill>
+                <a:solidFill>
+                  <a:srgbClr val="ffffff"/>
+                </a:solidFill>
+              </a:uFill>
+              <a:latin typeface="Arial"/>
+            </a:endParaRPr>
+          </a:p>
+          <a:p>
+            <a:pPr lvl="4" marL="2160000" indent="-216000">
+              <a:buClr>
+                <a:srgbClr val="000000"/>
+              </a:buClr>
+              <a:buSzPct val="45000"/>
+              <a:buFont typeface="Wingdings" charset="2"/>
+              <a:buChar char=""/>
+            </a:pPr>
+            <a:r>
+              <a:rPr b="0" lang="en-IN" sz="2000" spc="-1" strike="noStrike">
+                <a:solidFill>
+                  <a:srgbClr val="000000"/>
+                </a:solidFill>
+                <a:uFill>
+                  <a:solidFill>
+                    <a:srgbClr val="ffffff"/>
+                  </a:solidFill>
+                </a:uFill>
+                <a:latin typeface="Arial"/>
+              </a:rPr>
+              <a:t>Fifth Outline Level</a:t>
+            </a:r>
+            <a:endParaRPr b="0" lang="en-IN" sz="2000" spc="-1" strike="noStrike">
+              <a:solidFill>
+                <a:srgbClr val="000000"/>
+              </a:solidFill>
+              <a:uFill>
+                <a:solidFill>
+                  <a:srgbClr val="ffffff"/>
+                </a:solidFill>
+              </a:uFill>
+              <a:latin typeface="Arial"/>
+            </a:endParaRPr>
+          </a:p>
+          <a:p>
+            <a:pPr lvl="5" marL="2592000" indent="-216000">
+              <a:buClr>
+                <a:srgbClr val="000000"/>
+              </a:buClr>
+              <a:buSzPct val="45000"/>
+              <a:buFont typeface="Wingdings" charset="2"/>
+              <a:buChar char=""/>
+            </a:pPr>
+            <a:r>
+              <a:rPr b="0" lang="en-IN" sz="2000" spc="-1" strike="noStrike">
+                <a:solidFill>
+                  <a:srgbClr val="000000"/>
+                </a:solidFill>
+                <a:uFill>
+                  <a:solidFill>
+                    <a:srgbClr val="ffffff"/>
+                  </a:solidFill>
+                </a:uFill>
+                <a:latin typeface="Arial"/>
+              </a:rPr>
+              <a:t>Sixth Outline Level</a:t>
+            </a:r>
+            <a:endParaRPr b="0" lang="en-IN" sz="2000" spc="-1" strike="noStrike">
+              <a:solidFill>
+                <a:srgbClr val="000000"/>
+              </a:solidFill>
+              <a:uFill>
+                <a:solidFill>
+                  <a:srgbClr val="ffffff"/>
+                </a:solidFill>
+              </a:uFill>
+              <a:latin typeface="Arial"/>
+            </a:endParaRPr>
+          </a:p>
+          <a:p>
+            <a:pPr lvl="6" marL="3024000" indent="-216000">
+              <a:buClr>
+                <a:srgbClr val="000000"/>
+              </a:buClr>
+              <a:buSzPct val="45000"/>
+              <a:buFont typeface="Wingdings" charset="2"/>
+              <a:buChar char=""/>
+            </a:pPr>
+            <a:r>
+              <a:rPr b="0" lang="en-IN" sz="2000" spc="-1" strike="noStrike">
+                <a:solidFill>
+                  <a:srgbClr val="000000"/>
+                </a:solidFill>
+                <a:uFill>
+                  <a:solidFill>
+                    <a:srgbClr val="ffffff"/>
+                  </a:solidFill>
+                </a:uFill>
+                <a:latin typeface="Arial"/>
+              </a:rPr>
+              <a:t>Seventh Outline Level</a:t>
+            </a:r>
+            <a:endParaRPr b="0" lang="en-IN" sz="2000" spc="-1" strike="noStrike">
+              <a:solidFill>
+                <a:srgbClr val="000000"/>
+              </a:solidFill>
+              <a:uFill>
+                <a:solidFill>
+                  <a:srgbClr val="ffffff"/>
+                </a:solidFill>
+              </a:uFill>
+              <a:latin typeface="Arial"/>
+            </a:endParaRPr>
+          </a:p>
+        </p:txBody>
+      </p:sp>
+    </p:spTree>
+  </p:cSld>
+  <p:clrMap bg1="lt1" bg2="lt2" tx1="dk1" tx2="dk2" accent1="accent1" accent2="accent2" accent3="accent3" accent4="accent4" accent5="accent5" accent6="accent6" hlink="hlink" folHlink="folHlink"/>
+  <p:sldLayoutIdLst>
+    <p:sldLayoutId id="2147483662" r:id="rId2"/>
+    <p:sldLayoutId id="2147483663" r:id="rId3"/>
+    <p:sldLayoutId id="2147483664" r:id="rId4"/>
+    <p:sldLayoutId id="2147483665" r:id="rId5"/>
+    <p:sldLayoutId id="2147483666" r:id="rId6"/>
+    <p:sldLayoutId id="2147483667" r:id="rId7"/>
+    <p:sldLayoutId id="2147483668" r:id="rId8"/>
+    <p:sldLayoutId id="2147483669" r:id="rId9"/>
+    <p:sldLayoutId id="2147483670" r:id="rId10"/>
+    <p:sldLayoutId id="2147483671" r:id="rId11"/>
+    <p:sldLayoutId id="2147483672" r:id="rId12"/>
+    <p:sldLayoutId id="2147483673" r:id="rId13"/>
   </p:sldLayoutIdLst>
 </p:sldMaster>
 </file>
@@ -2717,14 +3682,14 @@
       </p:grpSpPr>
       <p:sp>
         <p:nvSpPr>
-          <p:cNvPr id="39" name="TextShape 1"/>
-          <p:cNvSpPr txBox="1"/>
+          <p:cNvPr id="72" name="CustomShape 1"/>
+          <p:cNvSpPr/>
           <p:nvPr/>
         </p:nvSpPr>
         <p:spPr>
           <a:xfrm>
             <a:off x="504000" y="301320"/>
-            <a:ext cx="9071640" cy="1262160"/>
+            <a:ext cx="9071280" cy="1261800"/>
           </a:xfrm>
           <a:prstGeom prst="rect">
             <a:avLst/>
@@ -2734,27 +3699,16 @@
             <a:noFill/>
           </a:ln>
         </p:spPr>
-        <p:txBody>
-          <a:bodyPr lIns="0" rIns="0" tIns="0" bIns="0" anchor="ctr"/>
-          <a:p>
-            <a:pPr algn="ctr"/>
-            <a:endParaRPr b="0" lang="en-IN" sz="4400" spc="-1" strike="noStrike">
-              <a:solidFill>
-                <a:srgbClr val="000000"/>
-              </a:solidFill>
-              <a:uFill>
-                <a:solidFill>
-                  <a:srgbClr val="ffffff"/>
-                </a:solidFill>
-              </a:uFill>
-              <a:latin typeface="Arial"/>
-            </a:endParaRPr>
-          </a:p>
-        </p:txBody>
+        <p:style>
+          <a:lnRef idx="0"/>
+          <a:fillRef idx="0"/>
+          <a:effectRef idx="0"/>
+          <a:fontRef idx="minor"/>
+        </p:style>
       </p:sp>
       <p:pic>
         <p:nvPicPr>
-          <p:cNvPr id="40" name="" descr=""/>
+          <p:cNvPr id="73" name="" descr=""/>
           <p:cNvPicPr/>
           <p:nvPr/>
         </p:nvPicPr>
@@ -2764,8 +3718,8 @@
         </p:blipFill>
         <p:spPr>
           <a:xfrm>
-            <a:off x="720000" y="2107440"/>
-            <a:ext cx="2788920" cy="3724560"/>
+            <a:off x="576000" y="2952000"/>
+            <a:ext cx="2596320" cy="3095640"/>
           </a:xfrm>
           <a:prstGeom prst="rect">
             <a:avLst/>
@@ -2775,6 +3729,375 @@
           </a:ln>
         </p:spPr>
       </p:pic>
+      <p:pic>
+        <p:nvPicPr>
+          <p:cNvPr id="74" name="" descr=""/>
+          <p:cNvPicPr/>
+          <p:nvPr/>
+        </p:nvPicPr>
+        <p:blipFill>
+          <a:blip r:embed="rId2"/>
+          <a:stretch/>
+        </p:blipFill>
+        <p:spPr>
+          <a:xfrm>
+            <a:off x="4640400" y="2376000"/>
+            <a:ext cx="4503600" cy="3377880"/>
+          </a:xfrm>
+          <a:prstGeom prst="rect">
+            <a:avLst/>
+          </a:prstGeom>
+          <a:ln>
+            <a:noFill/>
+          </a:ln>
+        </p:spPr>
+      </p:pic>
+      <p:sp>
+        <p:nvSpPr>
+          <p:cNvPr id="75" name="Line 2"/>
+          <p:cNvSpPr/>
+          <p:nvPr/>
+        </p:nvSpPr>
+        <p:spPr>
+          <a:xfrm>
+            <a:off x="3816000" y="4032000"/>
+            <a:ext cx="1080000" cy="0"/>
+          </a:xfrm>
+          <a:prstGeom prst="line">
+            <a:avLst/>
+          </a:prstGeom>
+          <a:ln>
+            <a:solidFill>
+              <a:srgbClr val="000000"/>
+            </a:solidFill>
+            <a:tailEnd len="med" type="triangle" w="med"/>
+          </a:ln>
+        </p:spPr>
+        <p:style>
+          <a:lnRef idx="0"/>
+          <a:fillRef idx="0"/>
+          <a:effectRef idx="0"/>
+          <a:fontRef idx="minor"/>
+        </p:style>
+      </p:sp>
+      <p:sp>
+        <p:nvSpPr>
+          <p:cNvPr id="76" name="TextShape 3"/>
+          <p:cNvSpPr txBox="1"/>
+          <p:nvPr/>
+        </p:nvSpPr>
+        <p:spPr>
+          <a:xfrm>
+            <a:off x="6048360" y="1116000"/>
+            <a:ext cx="2004840" cy="373680"/>
+          </a:xfrm>
+          <a:prstGeom prst="rect">
+            <a:avLst/>
+          </a:prstGeom>
+          <a:noFill/>
+          <a:ln>
+            <a:noFill/>
+          </a:ln>
+        </p:spPr>
+        <p:txBody>
+          <a:bodyPr lIns="90000" rIns="90000" tIns="45000" bIns="45000"/>
+          <a:p>
+            <a:r>
+              <a:rPr b="1" lang="en-IN" sz="2000" spc="-1" strike="noStrike">
+                <a:solidFill>
+                  <a:srgbClr val="000000"/>
+                </a:solidFill>
+                <a:uFill>
+                  <a:solidFill>
+                    <a:srgbClr val="ffffff"/>
+                  </a:solidFill>
+                </a:uFill>
+                <a:latin typeface="Arial"/>
+              </a:rPr>
+              <a:t>01 – Sep - 2018</a:t>
+            </a:r>
+            <a:endParaRPr b="1" lang="en-IN" sz="2000" spc="-1" strike="noStrike">
+              <a:solidFill>
+                <a:srgbClr val="000000"/>
+              </a:solidFill>
+              <a:uFill>
+                <a:solidFill>
+                  <a:srgbClr val="ffffff"/>
+                </a:solidFill>
+              </a:uFill>
+              <a:latin typeface="Arial"/>
+            </a:endParaRPr>
+          </a:p>
+        </p:txBody>
+      </p:sp>
+      <p:sp>
+        <p:nvSpPr>
+          <p:cNvPr id="77" name="TextShape 4"/>
+          <p:cNvSpPr txBox="1"/>
+          <p:nvPr/>
+        </p:nvSpPr>
+        <p:spPr>
+          <a:xfrm>
+            <a:off x="6140160" y="1943280"/>
+            <a:ext cx="2211840" cy="373680"/>
+          </a:xfrm>
+          <a:prstGeom prst="rect">
+            <a:avLst/>
+          </a:prstGeom>
+          <a:noFill/>
+          <a:ln>
+            <a:noFill/>
+          </a:ln>
+        </p:spPr>
+        <p:txBody>
+          <a:bodyPr lIns="90000" rIns="90000" tIns="45000" bIns="45000"/>
+          <a:p>
+            <a:r>
+              <a:rPr b="1" lang="en-IN" sz="2000" spc="-1" strike="noStrike">
+                <a:solidFill>
+                  <a:srgbClr val="000000"/>
+                </a:solidFill>
+                <a:uFill>
+                  <a:solidFill>
+                    <a:srgbClr val="ffffff"/>
+                  </a:solidFill>
+                </a:uFill>
+                <a:latin typeface="Arial"/>
+              </a:rPr>
+              <a:t>31 – Nov - 2018 </a:t>
+            </a:r>
+            <a:endParaRPr b="1" lang="en-IN" sz="2000" spc="-1" strike="noStrike">
+              <a:solidFill>
+                <a:srgbClr val="000000"/>
+              </a:solidFill>
+              <a:uFill>
+                <a:solidFill>
+                  <a:srgbClr val="ffffff"/>
+                </a:solidFill>
+              </a:uFill>
+              <a:latin typeface="Arial"/>
+            </a:endParaRPr>
+          </a:p>
+        </p:txBody>
+      </p:sp>
+      <p:sp>
+        <p:nvSpPr>
+          <p:cNvPr id="78" name="TextShape 5"/>
+          <p:cNvSpPr txBox="1"/>
+          <p:nvPr/>
+        </p:nvSpPr>
+        <p:spPr>
+          <a:xfrm>
+            <a:off x="6732720" y="1584000"/>
+            <a:ext cx="471960" cy="373680"/>
+          </a:xfrm>
+          <a:prstGeom prst="rect">
+            <a:avLst/>
+          </a:prstGeom>
+          <a:noFill/>
+          <a:ln>
+            <a:noFill/>
+          </a:ln>
+        </p:spPr>
+        <p:txBody>
+          <a:bodyPr lIns="90000" rIns="90000" tIns="45000" bIns="45000"/>
+          <a:p>
+            <a:r>
+              <a:rPr b="1" lang="en-IN" sz="2000" spc="-1" strike="noStrike">
+                <a:solidFill>
+                  <a:srgbClr val="000000"/>
+                </a:solidFill>
+                <a:uFill>
+                  <a:solidFill>
+                    <a:srgbClr val="ffffff"/>
+                  </a:solidFill>
+                </a:uFill>
+                <a:latin typeface="Arial"/>
+              </a:rPr>
+              <a:t>To</a:t>
+            </a:r>
+            <a:endParaRPr b="1" lang="en-IN" sz="2000" spc="-1" strike="noStrike">
+              <a:solidFill>
+                <a:srgbClr val="000000"/>
+              </a:solidFill>
+              <a:uFill>
+                <a:solidFill>
+                  <a:srgbClr val="ffffff"/>
+                </a:solidFill>
+              </a:uFill>
+              <a:latin typeface="Arial"/>
+            </a:endParaRPr>
+          </a:p>
+        </p:txBody>
+      </p:sp>
+      <p:graphicFrame>
+        <p:nvGraphicFramePr>
+          <p:cNvPr id="79" name="Table 6"/>
+          <p:cNvGraphicFramePr/>
+          <p:nvPr/>
+        </p:nvGraphicFramePr>
+        <p:xfrm>
+          <a:off x="901440" y="684000"/>
+          <a:ext cx="1978560" cy="1908000"/>
+        </p:xfrm>
+        <a:graphic>
+          <a:graphicData uri="http://schemas.openxmlformats.org/drawingml/2006/table">
+            <a:tbl>
+              <a:tblPr/>
+              <a:tblGrid>
+                <a:gridCol w="1978560"/>
+              </a:tblGrid>
+              <a:tr h="635760">
+                <a:tc>
+                  <a:txBody>
+                    <a:bodyPr lIns="90000" rIns="90000" tIns="46800" bIns="46800"/>
+                    <a:p>
+                      <a:r>
+                        <a:rPr b="0" lang="en-IN" sz="1800" spc="-1" strike="noStrike">
+                          <a:solidFill>
+                            <a:srgbClr val="000000"/>
+                          </a:solidFill>
+                          <a:uFill>
+                            <a:solidFill>
+                              <a:srgbClr val="ffffff"/>
+                            </a:solidFill>
+                          </a:uFill>
+                          <a:latin typeface="Arial"/>
+                        </a:rPr>
+                        <a:t>India</a:t>
+                      </a:r>
+                      <a:endParaRPr b="0" lang="en-IN" sz="1800" spc="-1" strike="noStrike">
+                        <a:solidFill>
+                          <a:srgbClr val="000000"/>
+                        </a:solidFill>
+                        <a:uFill>
+                          <a:solidFill>
+                            <a:srgbClr val="ffffff"/>
+                          </a:solidFill>
+                        </a:uFill>
+                        <a:latin typeface="Arial"/>
+                      </a:endParaRPr>
+                    </a:p>
+                  </a:txBody>
+                  <a:tcPr marL="90000" marR="90000">
+                    <a:lnL w="720">
+                      <a:solidFill>
+                        <a:srgbClr val="ffffff"/>
+                      </a:solidFill>
+                    </a:lnL>
+                    <a:lnR w="720">
+                      <a:solidFill>
+                        <a:srgbClr val="ffffff"/>
+                      </a:solidFill>
+                    </a:lnR>
+                    <a:lnT w="720">
+                      <a:solidFill>
+                        <a:srgbClr val="ffffff"/>
+                      </a:solidFill>
+                    </a:lnT>
+                    <a:lnB w="720">
+                      <a:solidFill>
+                        <a:srgbClr val="ffffff"/>
+                      </a:solidFill>
+                    </a:lnB>
+                    <a:solidFill>
+                      <a:srgbClr val="e6e6e6"/>
+                    </a:solidFill>
+                  </a:tcPr>
+                </a:tc>
+              </a:tr>
+              <a:tr h="635760">
+                <a:tc>
+                  <a:txBody>
+                    <a:bodyPr lIns="90000" rIns="90000" tIns="46800" bIns="46800"/>
+                    <a:p>
+                      <a:r>
+                        <a:rPr b="0" lang="en-IN" sz="1800" spc="-1" strike="noStrike">
+                          <a:solidFill>
+                            <a:srgbClr val="000000"/>
+                          </a:solidFill>
+                          <a:uFill>
+                            <a:solidFill>
+                              <a:srgbClr val="ffffff"/>
+                            </a:solidFill>
+                          </a:uFill>
+                          <a:latin typeface="Arial"/>
+                        </a:rPr>
+                        <a:t>ingapore</a:t>
+                      </a:r>
+                      <a:endParaRPr b="0" lang="en-IN" sz="1800" spc="-1" strike="noStrike">
+                        <a:solidFill>
+                          <a:srgbClr val="000000"/>
+                        </a:solidFill>
+                        <a:uFill>
+                          <a:solidFill>
+                            <a:srgbClr val="ffffff"/>
+                          </a:solidFill>
+                        </a:uFill>
+                        <a:latin typeface="Arial"/>
+                      </a:endParaRPr>
+                    </a:p>
+                  </a:txBody>
+                  <a:tcPr marL="90000" marR="90000">
+                    <a:lnL w="720">
+                      <a:solidFill>
+                        <a:srgbClr val="ffffff"/>
+                      </a:solidFill>
+                    </a:lnL>
+                    <a:lnR w="720">
+                      <a:solidFill>
+                        <a:srgbClr val="ffffff"/>
+                      </a:solidFill>
+                    </a:lnR>
+                    <a:lnT w="720">
+                      <a:solidFill>
+                        <a:srgbClr val="ffffff"/>
+                      </a:solidFill>
+                    </a:lnT>
+                    <a:lnB w="720">
+                      <a:solidFill>
+                        <a:srgbClr val="ffffff"/>
+                      </a:solidFill>
+                    </a:lnB>
+                    <a:solidFill>
+                      <a:srgbClr val="e6e6e6"/>
+                    </a:solidFill>
+                  </a:tcPr>
+                </a:tc>
+              </a:tr>
+              <a:tr h="636480">
+                <a:tc>
+                  <a:tcPr marL="90000" marR="90000">
+                    <a:lnL w="720">
+                      <a:solidFill>
+                        <a:srgbClr val="ffffff"/>
+                      </a:solidFill>
+                    </a:lnL>
+                    <a:lnR w="720">
+                      <a:solidFill>
+                        <a:srgbClr val="ffffff"/>
+                      </a:solidFill>
+                    </a:lnR>
+                    <a:lnT w="720">
+                      <a:solidFill>
+                        <a:srgbClr val="ffffff"/>
+                      </a:solidFill>
+                    </a:lnT>
+                    <a:lnB w="720">
+                      <a:solidFill>
+                        <a:srgbClr val="ffffff"/>
+                      </a:solidFill>
+                    </a:lnB>
+                    <a:solidFill>
+                      <a:srgbClr val="e6e6e6"/>
+                    </a:solidFill>
+                  </a:tcPr>
+                </a:tc>
+              </a:tr>
+            </a:tbl>
+          </a:graphicData>
+        </a:graphic>
+      </p:graphicFrame>
     </p:spTree>
   </p:cSld>
   <p:timing>
@@ -2826,7 +4149,7 @@
       </p:grpSpPr>
       <p:pic>
         <p:nvPicPr>
-          <p:cNvPr id="41" name="" descr=""/>
+          <p:cNvPr id="80" name="" descr=""/>
           <p:cNvPicPr/>
           <p:nvPr/>
         </p:nvPicPr>
@@ -2837,7 +4160,7 @@
         <p:spPr>
           <a:xfrm>
             <a:off x="2880000" y="1224000"/>
-            <a:ext cx="4672080" cy="2520000"/>
+            <a:ext cx="4671720" cy="2519640"/>
           </a:xfrm>
           <a:prstGeom prst="rect">
             <a:avLst/>
@@ -2849,14 +4172,14 @@
       </p:pic>
       <p:sp>
         <p:nvSpPr>
-          <p:cNvPr id="42" name="TextShape 1"/>
-          <p:cNvSpPr txBox="1"/>
+          <p:cNvPr id="81" name="CustomShape 1"/>
+          <p:cNvSpPr/>
           <p:nvPr/>
         </p:nvSpPr>
         <p:spPr>
           <a:xfrm>
             <a:off x="504000" y="540000"/>
-            <a:ext cx="9071640" cy="634680"/>
+            <a:ext cx="9071280" cy="634320"/>
           </a:xfrm>
           <a:prstGeom prst="rect">
             <a:avLst/>
@@ -2866,10 +4189,20 @@
             <a:noFill/>
           </a:ln>
         </p:spPr>
+        <p:style>
+          <a:lnRef idx="0"/>
+          <a:fillRef idx="0"/>
+          <a:effectRef idx="0"/>
+          <a:fontRef idx="minor"/>
+        </p:style>
         <p:txBody>
           <a:bodyPr lIns="0" rIns="0" tIns="0" bIns="0" anchor="ctr"/>
           <a:p>
-            <a:pPr algn="ctr"/>
+            <a:pPr algn="ctr">
+              <a:lnSpc>
+                <a:spcPct val="100000"/>
+              </a:lnSpc>
+            </a:pPr>
             <a:r>
               <a:rPr b="0" lang="en-IN" sz="4400" spc="-1" strike="noStrike" u="sng">
                 <a:solidFill>
@@ -2884,7 +4217,7 @@
               </a:rPr>
               <a:t>Feedbacks and experience</a:t>
             </a:r>
-            <a:endParaRPr b="0" lang="en-IN" sz="4400" spc="-1" strike="noStrike" u="sng">
+            <a:endParaRPr b="0" lang="en-IN" sz="1800" spc="-1" strike="noStrike">
               <a:solidFill>
                 <a:srgbClr val="000000"/>
               </a:solidFill>
@@ -2900,7 +4233,7 @@
       </p:sp>
       <p:pic>
         <p:nvPicPr>
-          <p:cNvPr id="43" name="" descr=""/>
+          <p:cNvPr id="82" name="" descr=""/>
           <p:cNvPicPr/>
           <p:nvPr/>
         </p:nvPicPr>
@@ -2911,7 +4244,7 @@
         <p:spPr>
           <a:xfrm>
             <a:off x="648000" y="3600000"/>
-            <a:ext cx="9288000" cy="3945600"/>
+            <a:ext cx="9287640" cy="3945240"/>
           </a:xfrm>
           <a:prstGeom prst="rect">
             <a:avLst/>
@@ -2972,7 +4305,7 @@
       </p:grpSpPr>
       <p:pic>
         <p:nvPicPr>
-          <p:cNvPr id="44" name="" descr=""/>
+          <p:cNvPr id="83" name="" descr=""/>
           <p:cNvPicPr/>
           <p:nvPr/>
         </p:nvPicPr>
@@ -2983,7 +4316,7 @@
         <p:spPr>
           <a:xfrm>
             <a:off x="3894480" y="3541320"/>
-            <a:ext cx="1822680" cy="1822680"/>
+            <a:ext cx="1822320" cy="1822320"/>
           </a:xfrm>
           <a:prstGeom prst="rect">
             <a:avLst/>
@@ -2995,7 +4328,7 @@
       </p:pic>
       <p:pic>
         <p:nvPicPr>
-          <p:cNvPr id="45" name="" descr=""/>
+          <p:cNvPr id="84" name="" descr=""/>
           <p:cNvPicPr/>
           <p:nvPr/>
         </p:nvPicPr>
@@ -3006,7 +4339,7 @@
         <p:spPr>
           <a:xfrm>
             <a:off x="813960" y="1993320"/>
-            <a:ext cx="1102680" cy="1102680"/>
+            <a:ext cx="1102320" cy="1102320"/>
           </a:xfrm>
           <a:prstGeom prst="rect">
             <a:avLst/>
@@ -3018,7 +4351,7 @@
       </p:pic>
       <p:pic>
         <p:nvPicPr>
-          <p:cNvPr id="46" name="" descr=""/>
+          <p:cNvPr id="85" name="" descr=""/>
           <p:cNvPicPr/>
           <p:nvPr/>
         </p:nvPicPr>
@@ -3029,7 +4362,7 @@
         <p:spPr>
           <a:xfrm>
             <a:off x="814320" y="3302640"/>
-            <a:ext cx="1102680" cy="1102680"/>
+            <a:ext cx="1102320" cy="1102320"/>
           </a:xfrm>
           <a:prstGeom prst="rect">
             <a:avLst/>
@@ -3041,7 +4374,7 @@
       </p:pic>
       <p:pic>
         <p:nvPicPr>
-          <p:cNvPr id="47" name="" descr=""/>
+          <p:cNvPr id="86" name="" descr=""/>
           <p:cNvPicPr/>
           <p:nvPr/>
         </p:nvPicPr>
@@ -3052,7 +4385,7 @@
         <p:spPr>
           <a:xfrm>
             <a:off x="814680" y="4491000"/>
-            <a:ext cx="1102680" cy="1102680"/>
+            <a:ext cx="1102320" cy="1102320"/>
           </a:xfrm>
           <a:prstGeom prst="rect">
             <a:avLst/>
@@ -3064,7 +4397,7 @@
       </p:pic>
       <p:pic>
         <p:nvPicPr>
-          <p:cNvPr id="48" name="" descr=""/>
+          <p:cNvPr id="87" name="" descr=""/>
           <p:cNvPicPr/>
           <p:nvPr/>
         </p:nvPicPr>
@@ -3075,7 +4408,7 @@
         <p:spPr>
           <a:xfrm>
             <a:off x="814680" y="5715000"/>
-            <a:ext cx="1102680" cy="1102680"/>
+            <a:ext cx="1102320" cy="1102320"/>
           </a:xfrm>
           <a:prstGeom prst="rect">
             <a:avLst/>
@@ -3087,7 +4420,7 @@
       </p:pic>
       <p:sp>
         <p:nvSpPr>
-          <p:cNvPr id="49" name="Line 1"/>
+          <p:cNvPr id="88" name="Line 1"/>
           <p:cNvSpPr/>
           <p:nvPr/>
         </p:nvSpPr>
@@ -3115,7 +4448,7 @@
       </p:sp>
       <p:sp>
         <p:nvSpPr>
-          <p:cNvPr id="50" name="Line 2"/>
+          <p:cNvPr id="89" name="Line 2"/>
           <p:cNvSpPr/>
           <p:nvPr/>
         </p:nvSpPr>
@@ -3143,7 +4476,7 @@
       </p:sp>
       <p:sp>
         <p:nvSpPr>
-          <p:cNvPr id="51" name="Line 3"/>
+          <p:cNvPr id="90" name="Line 3"/>
           <p:cNvSpPr/>
           <p:nvPr/>
         </p:nvSpPr>
@@ -3171,7 +4504,7 @@
       </p:sp>
       <p:sp>
         <p:nvSpPr>
-          <p:cNvPr id="52" name="Line 4"/>
+          <p:cNvPr id="91" name="Line 4"/>
           <p:cNvSpPr/>
           <p:nvPr/>
         </p:nvSpPr>
@@ -3199,14 +4532,14 @@
       </p:sp>
       <p:sp>
         <p:nvSpPr>
-          <p:cNvPr id="53" name="TextShape 5"/>
-          <p:cNvSpPr txBox="1"/>
+          <p:cNvPr id="92" name="CustomShape 5"/>
+          <p:cNvSpPr/>
           <p:nvPr/>
         </p:nvSpPr>
         <p:spPr>
           <a:xfrm>
             <a:off x="4644000" y="3744000"/>
-            <a:ext cx="624240" cy="346320"/>
+            <a:ext cx="623880" cy="345960"/>
           </a:xfrm>
           <a:prstGeom prst="rect">
             <a:avLst/>
@@ -3216,6 +4549,12 @@
             <a:noFill/>
           </a:ln>
         </p:spPr>
+        <p:style>
+          <a:lnRef idx="0"/>
+          <a:fillRef idx="0"/>
+          <a:effectRef idx="0"/>
+          <a:fontRef idx="minor"/>
+        </p:style>
         <p:txBody>
           <a:bodyPr lIns="90000" rIns="90000" tIns="45000" bIns="45000"/>
           <a:p>
@@ -3249,7 +4588,7 @@
       </p:sp>
       <p:pic>
         <p:nvPicPr>
-          <p:cNvPr id="54" name="" descr=""/>
+          <p:cNvPr id="93" name="" descr=""/>
           <p:cNvPicPr/>
           <p:nvPr/>
         </p:nvPicPr>
@@ -3261,7 +4600,7 @@
         <p:spPr>
           <a:xfrm>
             <a:off x="6552000" y="2751120"/>
-            <a:ext cx="3384000" cy="4088880"/>
+            <a:ext cx="3383640" cy="4088520"/>
           </a:xfrm>
           <a:prstGeom prst="rect">
             <a:avLst/>
@@ -3273,14 +4612,14 @@
       </p:pic>
       <p:sp>
         <p:nvSpPr>
-          <p:cNvPr id="55" name="Line 6"/>
+          <p:cNvPr id="94" name="Line 6"/>
           <p:cNvSpPr/>
           <p:nvPr/>
         </p:nvSpPr>
         <p:spPr>
           <a:xfrm>
             <a:off x="5717160" y="4356000"/>
-            <a:ext cx="1198800" cy="0"/>
+            <a:ext cx="1198800" cy="360"/>
           </a:xfrm>
           <a:prstGeom prst="line">
             <a:avLst/>
@@ -3301,14 +4640,14 @@
       </p:sp>
       <p:sp>
         <p:nvSpPr>
-          <p:cNvPr id="56" name="TextShape 7"/>
-          <p:cNvSpPr txBox="1"/>
+          <p:cNvPr id="95" name="CustomShape 7"/>
+          <p:cNvSpPr/>
           <p:nvPr/>
         </p:nvSpPr>
         <p:spPr>
           <a:xfrm>
             <a:off x="468000" y="504000"/>
-            <a:ext cx="9071640" cy="634680"/>
+            <a:ext cx="9071280" cy="634320"/>
           </a:xfrm>
           <a:prstGeom prst="rect">
             <a:avLst/>
@@ -3318,10 +4657,20 @@
             <a:noFill/>
           </a:ln>
         </p:spPr>
+        <p:style>
+          <a:lnRef idx="0"/>
+          <a:fillRef idx="0"/>
+          <a:effectRef idx="0"/>
+          <a:fontRef idx="minor"/>
+        </p:style>
         <p:txBody>
           <a:bodyPr lIns="0" rIns="0" tIns="0" bIns="0" anchor="ctr"/>
           <a:p>
-            <a:pPr algn="ctr"/>
+            <a:pPr algn="ctr">
+              <a:lnSpc>
+                <a:spcPct val="100000"/>
+              </a:lnSpc>
+            </a:pPr>
             <a:r>
               <a:rPr b="0" lang="en-IN" sz="4400" spc="-1" strike="noStrike" u="sng">
                 <a:solidFill>
@@ -3336,7 +4685,7 @@
               </a:rPr>
               <a:t>Solution</a:t>
             </a:r>
-            <a:endParaRPr b="0" lang="en-IN" sz="4400" spc="-1" strike="noStrike" u="sng">
+            <a:endParaRPr b="0" lang="en-IN" sz="1800" spc="-1" strike="noStrike">
               <a:solidFill>
                 <a:srgbClr val="000000"/>
               </a:solidFill>
@@ -3401,13 +4750,13 @@
       </p:grpSpPr>
       <p:graphicFrame>
         <p:nvGraphicFramePr>
-          <p:cNvPr id="57" name="Table 1"/>
+          <p:cNvPr id="96" name="Table 1"/>
           <p:cNvGraphicFramePr/>
           <p:nvPr/>
         </p:nvGraphicFramePr>
         <p:xfrm>
           <a:off x="1368000" y="1728000"/>
-          <a:ext cx="7848000" cy="4536360"/>
+          <a:ext cx="7847640" cy="4536360"/>
         </p:xfrm>
         <a:graphic>
           <a:graphicData uri="http://schemas.openxmlformats.org/drawingml/2006/table">
@@ -3420,9 +4769,13 @@
               <a:tr h="787320">
                 <a:tc>
                   <a:txBody>
-                    <a:bodyPr lIns="90000" rIns="90000" tIns="46800" bIns="46800"/>
+                    <a:bodyPr lIns="90000" rIns="90000"/>
                     <a:p>
-                      <a:pPr algn="ctr"/>
+                      <a:pPr algn="ctr">
+                        <a:lnSpc>
+                          <a:spcPct val="100000"/>
+                        </a:lnSpc>
+                      </a:pPr>
                       <a:r>
                         <a:rPr b="0" lang="en-IN" sz="1800" spc="-1" strike="noStrike" u="sng">
                           <a:solidFill>
@@ -3437,7 +4790,7 @@
                         </a:rPr>
                         <a:t>Feature</a:t>
                       </a:r>
-                      <a:endParaRPr b="0" lang="en-IN" sz="1800" spc="-1" strike="noStrike" u="sng">
+                      <a:endParaRPr b="0" lang="en-IN" sz="1800" spc="-1" strike="noStrike">
                         <a:solidFill>
                           <a:srgbClr val="000000"/>
                         </a:solidFill>
@@ -3478,9 +4831,13 @@
                 </a:tc>
                 <a:tc>
                   <a:txBody>
-                    <a:bodyPr lIns="90000" rIns="90000" tIns="46800" bIns="46800"/>
+                    <a:bodyPr lIns="90000" rIns="90000"/>
                     <a:p>
-                      <a:pPr algn="ctr"/>
+                      <a:pPr algn="ctr">
+                        <a:lnSpc>
+                          <a:spcPct val="100000"/>
+                        </a:lnSpc>
+                      </a:pPr>
                       <a:r>
                         <a:rPr b="0" lang="en-IN" sz="1800" spc="-1" strike="noStrike" u="sng">
                           <a:solidFill>
@@ -3495,7 +4852,7 @@
                         </a:rPr>
                         <a:t>Feedbacks</a:t>
                       </a:r>
-                      <a:endParaRPr b="0" lang="en-IN" sz="1800" spc="-1" strike="noStrike" u="sng">
+                      <a:endParaRPr b="0" lang="en-IN" sz="1800" spc="-1" strike="noStrike">
                         <a:solidFill>
                           <a:srgbClr val="000000"/>
                         </a:solidFill>
@@ -3538,7 +4895,7 @@
               <a:tr h="787320">
                 <a:tc>
                   <a:txBody>
-                    <a:bodyPr lIns="90000" rIns="90000" tIns="46800" bIns="46800"/>
+                    <a:bodyPr lIns="90000" rIns="90000"/>
                     <a:p>
                       <a:r>
                         <a:rPr b="0" lang="en-IN" sz="1800" spc="-1" strike="noStrike">
@@ -3595,7 +4952,7 @@
                 </a:tc>
                 <a:tc>
                   <a:txBody>
-                    <a:bodyPr lIns="90000" rIns="90000" tIns="46800" bIns="46800"/>
+                    <a:bodyPr lIns="90000" rIns="90000"/>
                     <a:p>
                       <a:r>
                         <a:rPr b="0" lang="en-IN" sz="1800" spc="-1" strike="noStrike">
@@ -3654,7 +5011,7 @@
               <a:tr h="986400">
                 <a:tc>
                   <a:txBody>
-                    <a:bodyPr lIns="90000" rIns="90000" tIns="46800" bIns="46800"/>
+                    <a:bodyPr lIns="90000" rIns="90000"/>
                     <a:p>
                       <a:r>
                         <a:rPr b="0" lang="en-IN" sz="1800" spc="-1" strike="noStrike">
@@ -3711,7 +5068,7 @@
                 </a:tc>
                 <a:tc>
                   <a:txBody>
-                    <a:bodyPr lIns="90000" rIns="90000" tIns="46800" bIns="46800"/>
+                    <a:bodyPr lIns="90000" rIns="90000"/>
                     <a:p>
                       <a:r>
                         <a:rPr b="0" lang="en-IN" sz="1800" spc="-1" strike="noStrike">
@@ -3770,7 +5127,7 @@
               <a:tr h="986400">
                 <a:tc>
                   <a:txBody>
-                    <a:bodyPr lIns="90000" rIns="90000" tIns="46800" bIns="46800"/>
+                    <a:bodyPr lIns="90000" rIns="90000"/>
                     <a:p>
                       <a:r>
                         <a:rPr b="0" lang="en-IN" sz="1800" spc="-1" strike="noStrike">
@@ -3827,7 +5184,7 @@
                 </a:tc>
                 <a:tc>
                   <a:txBody>
-                    <a:bodyPr lIns="90000" rIns="90000" tIns="46800" bIns="46800"/>
+                    <a:bodyPr lIns="90000" rIns="90000"/>
                     <a:p>
                       <a:r>
                         <a:rPr b="0" lang="en-IN" sz="1800" spc="-1" strike="noStrike">
@@ -3886,7 +5243,7 @@
               <a:tr h="989280">
                 <a:tc>
                   <a:txBody>
-                    <a:bodyPr lIns="90000" rIns="90000" tIns="46800" bIns="46800"/>
+                    <a:bodyPr lIns="90000" rIns="90000"/>
                     <a:p>
                       <a:r>
                         <a:rPr b="0" lang="en-IN" sz="1800" spc="-1" strike="noStrike">
@@ -3943,7 +5300,7 @@
                 </a:tc>
                 <a:tc>
                   <a:txBody>
-                    <a:bodyPr lIns="90000" rIns="90000" tIns="46800" bIns="46800"/>
+                    <a:bodyPr lIns="90000" rIns="90000"/>
                     <a:p>
                       <a:r>
                         <a:rPr b="0" lang="en-IN" sz="1800" spc="-1" strike="noStrike">
@@ -4005,14 +5362,14 @@
       </p:graphicFrame>
       <p:sp>
         <p:nvSpPr>
-          <p:cNvPr id="58" name="TextShape 2"/>
-          <p:cNvSpPr txBox="1"/>
+          <p:cNvPr id="97" name="CustomShape 2"/>
+          <p:cNvSpPr/>
           <p:nvPr/>
         </p:nvSpPr>
         <p:spPr>
           <a:xfrm>
             <a:off x="468360" y="504360"/>
-            <a:ext cx="9071640" cy="634680"/>
+            <a:ext cx="9071280" cy="634320"/>
           </a:xfrm>
           <a:prstGeom prst="rect">
             <a:avLst/>
@@ -4022,10 +5379,20 @@
             <a:noFill/>
           </a:ln>
         </p:spPr>
+        <p:style>
+          <a:lnRef idx="0"/>
+          <a:fillRef idx="0"/>
+          <a:effectRef idx="0"/>
+          <a:fontRef idx="minor"/>
+        </p:style>
         <p:txBody>
           <a:bodyPr lIns="0" rIns="0" tIns="0" bIns="0" anchor="ctr"/>
           <a:p>
-            <a:pPr algn="ctr"/>
+            <a:pPr algn="ctr">
+              <a:lnSpc>
+                <a:spcPct val="100000"/>
+              </a:lnSpc>
+            </a:pPr>
             <a:r>
               <a:rPr b="0" lang="en-IN" sz="4400" spc="-1" strike="noStrike" u="sng">
                 <a:solidFill>
@@ -4040,7 +5407,7 @@
               </a:rPr>
               <a:t>Results</a:t>
             </a:r>
-            <a:endParaRPr b="0" lang="en-IN" sz="4400" spc="-1" strike="noStrike" u="sng">
+            <a:endParaRPr b="0" lang="en-IN" sz="1800" spc="-1" strike="noStrike">
               <a:solidFill>
                 <a:srgbClr val="000000"/>
               </a:solidFill>
@@ -4105,14 +5472,14 @@
       </p:grpSpPr>
       <p:sp>
         <p:nvSpPr>
-          <p:cNvPr id="59" name="TextShape 1"/>
-          <p:cNvSpPr txBox="1"/>
+          <p:cNvPr id="98" name="CustomShape 1"/>
+          <p:cNvSpPr/>
           <p:nvPr/>
         </p:nvSpPr>
         <p:spPr>
           <a:xfrm>
             <a:off x="468360" y="504360"/>
-            <a:ext cx="9071640" cy="634680"/>
+            <a:ext cx="9071280" cy="634320"/>
           </a:xfrm>
           <a:prstGeom prst="rect">
             <a:avLst/>
@@ -4122,10 +5489,20 @@
             <a:noFill/>
           </a:ln>
         </p:spPr>
+        <p:style>
+          <a:lnRef idx="0"/>
+          <a:fillRef idx="0"/>
+          <a:effectRef idx="0"/>
+          <a:fontRef idx="minor"/>
+        </p:style>
         <p:txBody>
           <a:bodyPr lIns="0" rIns="0" tIns="0" bIns="0" anchor="ctr"/>
           <a:p>
-            <a:pPr algn="ctr"/>
+            <a:pPr algn="ctr">
+              <a:lnSpc>
+                <a:spcPct val="100000"/>
+              </a:lnSpc>
+            </a:pPr>
             <a:r>
               <a:rPr b="0" lang="en-IN" sz="4400" spc="-1" strike="noStrike" u="sng">
                 <a:solidFill>
@@ -4140,7 +5517,7 @@
               </a:rPr>
               <a:t>Accuracy Evaluation</a:t>
             </a:r>
-            <a:endParaRPr b="0" lang="en-IN" sz="4400" spc="-1" strike="noStrike" u="sng">
+            <a:endParaRPr b="0" lang="en-IN" sz="1800" spc="-1" strike="noStrike">
               <a:solidFill>
                 <a:srgbClr val="000000"/>
               </a:solidFill>
@@ -4156,7 +5533,7 @@
       </p:sp>
       <p:pic>
         <p:nvPicPr>
-          <p:cNvPr id="60" name="" descr=""/>
+          <p:cNvPr id="99" name="" descr=""/>
           <p:cNvPicPr/>
           <p:nvPr/>
         </p:nvPicPr>
@@ -4167,7 +5544,7 @@
         <p:spPr>
           <a:xfrm>
             <a:off x="4483800" y="1659960"/>
-            <a:ext cx="1204200" cy="1364040"/>
+            <a:ext cx="1203840" cy="1363680"/>
           </a:xfrm>
           <a:prstGeom prst="rect">
             <a:avLst/>
@@ -4179,7 +5556,7 @@
       </p:pic>
       <p:pic>
         <p:nvPicPr>
-          <p:cNvPr id="61" name="" descr=""/>
+          <p:cNvPr id="100" name="" descr=""/>
           <p:cNvPicPr/>
           <p:nvPr/>
         </p:nvPicPr>
@@ -4190,7 +5567,7 @@
         <p:spPr>
           <a:xfrm>
             <a:off x="6912000" y="3024000"/>
-            <a:ext cx="1224000" cy="1224000"/>
+            <a:ext cx="1223640" cy="1223640"/>
           </a:xfrm>
           <a:prstGeom prst="rect">
             <a:avLst/>
@@ -4202,7 +5579,7 @@
       </p:pic>
       <p:pic>
         <p:nvPicPr>
-          <p:cNvPr id="62" name="" descr=""/>
+          <p:cNvPr id="101" name="" descr=""/>
           <p:cNvPicPr/>
           <p:nvPr/>
         </p:nvPicPr>
@@ -4213,7 +5590,7 @@
         <p:spPr>
           <a:xfrm>
             <a:off x="4084920" y="5040000"/>
-            <a:ext cx="1675080" cy="1675080"/>
+            <a:ext cx="1674720" cy="1674720"/>
           </a:xfrm>
           <a:prstGeom prst="rect">
             <a:avLst/>
@@ -4225,7 +5602,7 @@
       </p:pic>
       <p:pic>
         <p:nvPicPr>
-          <p:cNvPr id="63" name="" descr=""/>
+          <p:cNvPr id="102" name="" descr=""/>
           <p:cNvPicPr/>
           <p:nvPr/>
         </p:nvPicPr>
@@ -4236,7 +5613,7 @@
         <p:spPr>
           <a:xfrm>
             <a:off x="1825560" y="2656440"/>
-            <a:ext cx="982440" cy="1231560"/>
+            <a:ext cx="982080" cy="1231200"/>
           </a:xfrm>
           <a:prstGeom prst="rect">
             <a:avLst/>
@@ -4248,14 +5625,14 @@
       </p:pic>
       <p:sp>
         <p:nvSpPr>
-          <p:cNvPr id="64" name="TextShape 2"/>
-          <p:cNvSpPr txBox="1"/>
+          <p:cNvPr id="103" name="CustomShape 2"/>
+          <p:cNvSpPr/>
           <p:nvPr/>
         </p:nvSpPr>
         <p:spPr>
           <a:xfrm>
             <a:off x="2016000" y="3888000"/>
-            <a:ext cx="485640" cy="346320"/>
+            <a:ext cx="485280" cy="345960"/>
           </a:xfrm>
           <a:prstGeom prst="rect">
             <a:avLst/>
@@ -4265,6 +5642,12 @@
             <a:noFill/>
           </a:ln>
         </p:spPr>
+        <p:style>
+          <a:lnRef idx="0"/>
+          <a:fillRef idx="0"/>
+          <a:effectRef idx="0"/>
+          <a:fontRef idx="minor"/>
+        </p:style>
         <p:txBody>
           <a:bodyPr lIns="90000" rIns="90000" tIns="45000" bIns="45000"/>
           <a:p>
@@ -4298,14 +5681,14 @@
       </p:sp>
       <p:sp>
         <p:nvSpPr>
-          <p:cNvPr id="65" name="TextShape 3"/>
-          <p:cNvSpPr txBox="1"/>
+          <p:cNvPr id="104" name="CustomShape 3"/>
+          <p:cNvSpPr/>
           <p:nvPr/>
         </p:nvSpPr>
         <p:spPr>
           <a:xfrm>
             <a:off x="4644360" y="3024000"/>
-            <a:ext cx="744480" cy="346320"/>
+            <a:ext cx="744120" cy="345960"/>
           </a:xfrm>
           <a:prstGeom prst="rect">
             <a:avLst/>
@@ -4315,6 +5698,12 @@
             <a:noFill/>
           </a:ln>
         </p:spPr>
+        <p:style>
+          <a:lnRef idx="0"/>
+          <a:fillRef idx="0"/>
+          <a:effectRef idx="0"/>
+          <a:fontRef idx="minor"/>
+        </p:style>
         <p:txBody>
           <a:bodyPr lIns="90000" rIns="90000" tIns="45000" bIns="45000"/>
           <a:p>
@@ -4348,14 +5737,14 @@
       </p:sp>
       <p:sp>
         <p:nvSpPr>
-          <p:cNvPr id="66" name="TextShape 4"/>
-          <p:cNvSpPr txBox="1"/>
+          <p:cNvPr id="105" name="CustomShape 4"/>
+          <p:cNvSpPr/>
           <p:nvPr/>
         </p:nvSpPr>
         <p:spPr>
           <a:xfrm>
             <a:off x="7272360" y="4140000"/>
-            <a:ext cx="497880" cy="346320"/>
+            <a:ext cx="497520" cy="345960"/>
           </a:xfrm>
           <a:prstGeom prst="rect">
             <a:avLst/>
@@ -4365,6 +5754,12 @@
             <a:noFill/>
           </a:ln>
         </p:spPr>
+        <p:style>
+          <a:lnRef idx="0"/>
+          <a:fillRef idx="0"/>
+          <a:effectRef idx="0"/>
+          <a:fontRef idx="minor"/>
+        </p:style>
         <p:txBody>
           <a:bodyPr lIns="90000" rIns="90000" tIns="45000" bIns="45000"/>
           <a:p>
@@ -4398,20 +5793,20 @@
       </p:sp>
       <p:sp>
         <p:nvSpPr>
-          <p:cNvPr id="67" name="CustomShape 5"/>
+          <p:cNvPr id="106" name="CustomShape 5"/>
           <p:cNvSpPr/>
           <p:nvPr/>
         </p:nvSpPr>
         <p:spPr>
           <a:xfrm rot="2400000">
-            <a:off x="2468160" y="4513680"/>
-            <a:ext cx="2110680" cy="216000"/>
+            <a:off x="2468160" y="4513320"/>
+            <a:ext cx="2110320" cy="215640"/>
           </a:xfrm>
           <a:custGeom>
             <a:avLst/>
             <a:gdLst/>
             <a:ahLst/>
-            <a:rect l="0" t="0" r="r" b="b"/>
+            <a:rect l="l" t="t" r="r" b="b"/>
             <a:pathLst>
               <a:path w="5866" h="602">
                 <a:moveTo>
@@ -4468,20 +5863,20 @@
       </p:sp>
       <p:sp>
         <p:nvSpPr>
-          <p:cNvPr id="68" name="CustomShape 6"/>
+          <p:cNvPr id="107" name="CustomShape 6"/>
           <p:cNvSpPr/>
           <p:nvPr/>
         </p:nvSpPr>
         <p:spPr>
           <a:xfrm rot="5400000">
-            <a:off x="4258440" y="3971880"/>
-            <a:ext cx="1343880" cy="216000"/>
+            <a:off x="4258800" y="3971880"/>
+            <a:ext cx="1343520" cy="215640"/>
           </a:xfrm>
           <a:custGeom>
             <a:avLst/>
             <a:gdLst/>
             <a:ahLst/>
-            <a:rect l="0" t="0" r="r" b="b"/>
+            <a:rect l="l" t="t" r="r" b="b"/>
             <a:pathLst>
               <a:path w="3735" h="602">
                 <a:moveTo>
@@ -4538,20 +5933,20 @@
       </p:sp>
       <p:sp>
         <p:nvSpPr>
-          <p:cNvPr id="69" name="CustomShape 7"/>
+          <p:cNvPr id="108" name="CustomShape 7"/>
           <p:cNvSpPr/>
           <p:nvPr/>
         </p:nvSpPr>
         <p:spPr>
           <a:xfrm rot="8280600">
-            <a:off x="5193000" y="4608360"/>
-            <a:ext cx="1806480" cy="216000"/>
+            <a:off x="5193360" y="4608360"/>
+            <a:ext cx="1806120" cy="215640"/>
           </a:xfrm>
           <a:custGeom>
             <a:avLst/>
             <a:gdLst/>
             <a:ahLst/>
-            <a:rect l="0" t="0" r="r" b="b"/>
+            <a:rect l="l" t="t" r="r" b="b"/>
             <a:pathLst>
               <a:path w="5020" h="606">
                 <a:moveTo>
@@ -4859,4 +6254,227 @@
     </a:fmtScheme>
   </a:themeElements>
 </a:theme>
+</file>
+
+<file path=ppt/theme/theme2.xml><?xml version="1.0" encoding="utf-8"?>
+<a:theme xmlns:a="http://schemas.openxmlformats.org/drawingml/2006/main" name="Office Theme">
+  <a:themeElements>
+    <a:clrScheme name="Office">
+      <a:dk1>
+        <a:sysClr val="windowText" lastClr="000000"/>
+      </a:dk1>
+      <a:lt1>
+        <a:sysClr val="window" lastClr="FFFFFF"/>
+      </a:lt1>
+      <a:dk2>
+        <a:srgbClr val="1F497D"/>
+      </a:dk2>
+      <a:lt2>
+        <a:srgbClr val="EEECE1"/>
+      </a:lt2>
+      <a:accent1>
+        <a:srgbClr val="4F81BD"/>
+      </a:accent1>
+      <a:accent2>
+        <a:srgbClr val="C0504D"/>
+      </a:accent2>
+      <a:accent3>
+        <a:srgbClr val="9BBB59"/>
+      </a:accent3>
+      <a:accent4>
+        <a:srgbClr val="8064A2"/>
+      </a:accent4>
+      <a:accent5>
+        <a:srgbClr val="4BACC6"/>
+      </a:accent5>
+      <a:accent6>
+        <a:srgbClr val="F79646"/>
+      </a:accent6>
+      <a:hlink>
+        <a:srgbClr val="0000FF"/>
+      </a:hlink>
+      <a:folHlink>
+        <a:srgbClr val="800080"/>
+      </a:folHlink>
+    </a:clrScheme>
+    <a:fontScheme name="Office">
+      <a:majorFont>
+        <a:latin typeface="Arial"/>
+        <a:ea typeface="DejaVu Sans"/>
+        <a:cs typeface="DejaVu Sans"/>
+      </a:majorFont>
+      <a:minorFont>
+        <a:latin typeface="Arial"/>
+        <a:ea typeface="DejaVu Sans"/>
+        <a:cs typeface="DejaVu Sans"/>
+      </a:minorFont>
+    </a:fontScheme>
+    <a:fmtScheme name="Office">
+      <a:fillStyleLst>
+        <a:solidFill>
+          <a:schemeClr val="phClr"/>
+        </a:solidFill>
+        <a:gradFill rotWithShape="1">
+          <a:gsLst>
+            <a:gs pos="0">
+              <a:schemeClr val="phClr">
+                <a:tint val="50000"/>
+                <a:satMod val="300000"/>
+              </a:schemeClr>
+            </a:gs>
+            <a:gs pos="35000">
+              <a:schemeClr val="phClr">
+                <a:tint val="37000"/>
+                <a:satMod val="300000"/>
+              </a:schemeClr>
+            </a:gs>
+            <a:gs pos="100000">
+              <a:schemeClr val="phClr">
+                <a:tint val="15000"/>
+                <a:satMod val="350000"/>
+              </a:schemeClr>
+            </a:gs>
+          </a:gsLst>
+          <a:lin ang="16200000" scaled="1"/>
+        </a:gradFill>
+        <a:gradFill rotWithShape="1">
+          <a:gsLst>
+            <a:gs pos="0">
+              <a:schemeClr val="phClr">
+                <a:shade val="51000"/>
+                <a:satMod val="130000"/>
+              </a:schemeClr>
+            </a:gs>
+            <a:gs pos="80000">
+              <a:schemeClr val="phClr">
+                <a:shade val="93000"/>
+                <a:satMod val="130000"/>
+              </a:schemeClr>
+            </a:gs>
+            <a:gs pos="100000">
+              <a:schemeClr val="phClr">
+                <a:shade val="94000"/>
+                <a:satMod val="135000"/>
+              </a:schemeClr>
+            </a:gs>
+          </a:gsLst>
+          <a:lin ang="16200000" scaled="0"/>
+        </a:gradFill>
+      </a:fillStyleLst>
+      <a:lnStyleLst>
+        <a:ln w="9525" cap="flat" cmpd="sng" algn="ctr">
+          <a:solidFill>
+            <a:schemeClr val="phClr">
+              <a:shade val="95000"/>
+              <a:satMod val="105000"/>
+            </a:schemeClr>
+          </a:solidFill>
+          <a:prstDash val="solid"/>
+        </a:ln>
+        <a:ln w="25400" cap="flat" cmpd="sng" algn="ctr">
+          <a:solidFill>
+            <a:schemeClr val="phClr"/>
+          </a:solidFill>
+          <a:prstDash val="solid"/>
+        </a:ln>
+        <a:ln w="38100" cap="flat" cmpd="sng" algn="ctr">
+          <a:solidFill>
+            <a:schemeClr val="phClr"/>
+          </a:solidFill>
+          <a:prstDash val="solid"/>
+        </a:ln>
+      </a:lnStyleLst>
+      <a:effectStyleLst>
+        <a:effectStyle>
+          <a:effectLst>
+            <a:outerShdw blurRad="40000" dist="20000" dir="5400000" rotWithShape="0">
+              <a:srgbClr val="000000">
+                <a:alpha val="38000"/>
+              </a:srgbClr>
+            </a:outerShdw>
+          </a:effectLst>
+        </a:effectStyle>
+        <a:effectStyle>
+          <a:effectLst>
+            <a:outerShdw blurRad="40000" dist="23000" dir="5400000" rotWithShape="0">
+              <a:srgbClr val="000000">
+                <a:alpha val="35000"/>
+              </a:srgbClr>
+            </a:outerShdw>
+          </a:effectLst>
+        </a:effectStyle>
+        <a:effectStyle>
+          <a:effectLst>
+            <a:outerShdw blurRad="40000" dist="23000" dir="5400000" rotWithShape="0">
+              <a:srgbClr val="000000">
+                <a:alpha val="35000"/>
+              </a:srgbClr>
+            </a:outerShdw>
+          </a:effectLst>
+          <a:scene3d>
+            <a:camera prst="orthographicFront">
+              <a:rot lat="0" lon="0" rev="0"/>
+            </a:camera>
+            <a:lightRig rig="threePt" dir="t">
+              <a:rot lat="0" lon="0" rev="1200000"/>
+            </a:lightRig>
+          </a:scene3d>
+          <a:sp3d>
+            <a:bevelT w="63500" h="25400"/>
+          </a:sp3d>
+        </a:effectStyle>
+      </a:effectStyleLst>
+      <a:bgFillStyleLst>
+        <a:solidFill>
+          <a:schemeClr val="phClr"/>
+        </a:solidFill>
+        <a:gradFill rotWithShape="1">
+          <a:gsLst>
+            <a:gs pos="0">
+              <a:schemeClr val="phClr">
+                <a:tint val="40000"/>
+                <a:satMod val="350000"/>
+              </a:schemeClr>
+            </a:gs>
+            <a:gs pos="40000">
+              <a:schemeClr val="phClr">
+                <a:tint val="45000"/>
+                <a:shade val="99000"/>
+                <a:satMod val="350000"/>
+              </a:schemeClr>
+            </a:gs>
+            <a:gs pos="100000">
+              <a:schemeClr val="phClr">
+                <a:shade val="20000"/>
+                <a:satMod val="255000"/>
+              </a:schemeClr>
+            </a:gs>
+          </a:gsLst>
+          <a:path path="circle">
+            <a:fillToRect l="50000" t="-80000" r="50000" b="180000"/>
+          </a:path>
+        </a:gradFill>
+        <a:gradFill rotWithShape="1">
+          <a:gsLst>
+            <a:gs pos="0">
+              <a:schemeClr val="phClr">
+                <a:tint val="80000"/>
+                <a:satMod val="300000"/>
+              </a:schemeClr>
+            </a:gs>
+            <a:gs pos="100000">
+              <a:schemeClr val="phClr">
+                <a:shade val="30000"/>
+                <a:satMod val="200000"/>
+              </a:schemeClr>
+            </a:gs>
+          </a:gsLst>
+          <a:path path="circle">
+            <a:fillToRect l="50000" t="50000" r="50000" b="50000"/>
+          </a:path>
+        </a:gradFill>
+      </a:bgFillStyleLst>
+    </a:fmtScheme>
+  </a:themeElements>
+</a:theme>
 </file>